--- a/evolotionaereAlgorithmen/trunk/SystemOfEquations/Ergebnisse/Präsi/UI.pptx
+++ b/evolotionaereAlgorithmen/trunk/SystemOfEquations/Ergebnisse/Präsi/UI.pptx
@@ -6,12 +6,38 @@
     <p:sldMasterId id="2147483661" r:id="rId2"/>
   </p:sldMasterIdLst>
   <p:notesMasterIdLst>
-    <p:notesMasterId r:id="rId6"/>
+    <p:notesMasterId r:id="rId32"/>
   </p:notesMasterIdLst>
   <p:sldIdLst>
     <p:sldId id="256" r:id="rId3"/>
     <p:sldId id="257" r:id="rId4"/>
-    <p:sldId id="264" r:id="rId5"/>
+    <p:sldId id="265" r:id="rId5"/>
+    <p:sldId id="284" r:id="rId6"/>
+    <p:sldId id="266" r:id="rId7"/>
+    <p:sldId id="285" r:id="rId8"/>
+    <p:sldId id="271" r:id="rId9"/>
+    <p:sldId id="267" r:id="rId10"/>
+    <p:sldId id="286" r:id="rId11"/>
+    <p:sldId id="268" r:id="rId12"/>
+    <p:sldId id="287" r:id="rId13"/>
+    <p:sldId id="269" r:id="rId14"/>
+    <p:sldId id="288" r:id="rId15"/>
+    <p:sldId id="270" r:id="rId16"/>
+    <p:sldId id="272" r:id="rId17"/>
+    <p:sldId id="289" r:id="rId18"/>
+    <p:sldId id="275" r:id="rId19"/>
+    <p:sldId id="290" r:id="rId20"/>
+    <p:sldId id="276" r:id="rId21"/>
+    <p:sldId id="277" r:id="rId22"/>
+    <p:sldId id="278" r:id="rId23"/>
+    <p:sldId id="291" r:id="rId24"/>
+    <p:sldId id="279" r:id="rId25"/>
+    <p:sldId id="292" r:id="rId26"/>
+    <p:sldId id="280" r:id="rId27"/>
+    <p:sldId id="281" r:id="rId28"/>
+    <p:sldId id="282" r:id="rId29"/>
+    <p:sldId id="283" r:id="rId30"/>
+    <p:sldId id="264" r:id="rId31"/>
   </p:sldIdLst>
   <p:sldSz cx="9144000" cy="6858000" type="screen4x3"/>
   <p:notesSz cx="6858000" cy="9144000"/>
@@ -6969,6 +6995,2593 @@
 </p:sld>
 </file>
 
+<file path=ppt/slides/slide10.xml><?xml version="1.0" encoding="utf-8"?>
+<p:sld xmlns:a="http://schemas.openxmlformats.org/drawingml/2006/main" xmlns:r="http://schemas.openxmlformats.org/officeDocument/2006/relationships" xmlns:p="http://schemas.openxmlformats.org/presentationml/2006/main">
+  <p:cSld>
+    <p:spTree>
+      <p:nvGrpSpPr>
+        <p:cNvPr id="1" name=""/>
+        <p:cNvGrpSpPr/>
+        <p:nvPr/>
+      </p:nvGrpSpPr>
+      <p:grpSpPr>
+        <a:xfrm>
+          <a:off x="0" y="0"/>
+          <a:ext cx="0" cy="0"/>
+          <a:chOff x="0" y="0"/>
+          <a:chExt cx="0" cy="0"/>
+        </a:xfrm>
+      </p:grpSpPr>
+      <p:sp>
+        <p:nvSpPr>
+          <p:cNvPr id="2" name="Titel 1"/>
+          <p:cNvSpPr>
+            <a:spLocks noGrp="1"/>
+          </p:cNvSpPr>
+          <p:nvPr>
+            <p:ph type="title"/>
+          </p:nvPr>
+        </p:nvSpPr>
+        <p:spPr/>
+        <p:txBody>
+          <a:bodyPr/>
+          <a:lstStyle/>
+          <a:p>
+            <a:r>
+              <a:rPr lang="de-DE" dirty="0"/>
+              <a:t>Oberfläche und Parameter</a:t>
+            </a:r>
+            <a:endParaRPr lang="en-GB" dirty="0"/>
+          </a:p>
+        </p:txBody>
+      </p:sp>
+      <p:sp>
+        <p:nvSpPr>
+          <p:cNvPr id="3" name="Textplatzhalter 2"/>
+          <p:cNvSpPr>
+            <a:spLocks noGrp="1"/>
+          </p:cNvSpPr>
+          <p:nvPr>
+            <p:ph type="body" idx="1"/>
+          </p:nvPr>
+        </p:nvSpPr>
+        <p:spPr/>
+        <p:txBody>
+          <a:bodyPr/>
+          <a:lstStyle/>
+          <a:p>
+            <a:endParaRPr lang="en-GB" dirty="0"/>
+          </a:p>
+        </p:txBody>
+      </p:sp>
+      <p:pic>
+        <p:nvPicPr>
+          <p:cNvPr id="4" name="Grafik 3"/>
+          <p:cNvPicPr>
+            <a:picLocks noChangeAspect="1"/>
+          </p:cNvPicPr>
+          <p:nvPr/>
+        </p:nvPicPr>
+        <p:blipFill>
+          <a:blip r:embed="rId2">
+            <a:extLst>
+              <a:ext uri="{28A0092B-C50C-407E-A947-70E740481C1C}">
+                <a14:useLocalDpi xmlns:a14="http://schemas.microsoft.com/office/drawing/2010/main" val="0"/>
+              </a:ext>
+            </a:extLst>
+          </a:blip>
+          <a:stretch>
+            <a:fillRect/>
+          </a:stretch>
+        </p:blipFill>
+        <p:spPr>
+          <a:xfrm>
+            <a:off x="470256" y="1733409"/>
+            <a:ext cx="8261143" cy="4647919"/>
+          </a:xfrm>
+          <a:prstGeom prst="rect">
+            <a:avLst/>
+          </a:prstGeom>
+        </p:spPr>
+      </p:pic>
+      <p:sp>
+        <p:nvSpPr>
+          <p:cNvPr id="5" name="Rechteck 4"/>
+          <p:cNvSpPr/>
+          <p:nvPr/>
+        </p:nvSpPr>
+        <p:spPr>
+          <a:xfrm>
+            <a:off x="3285654" y="2422426"/>
+            <a:ext cx="926306" cy="216024"/>
+          </a:xfrm>
+          <a:prstGeom prst="rect">
+            <a:avLst/>
+          </a:prstGeom>
+          <a:noFill/>
+          <a:ln>
+            <a:solidFill>
+              <a:srgbClr val="FF0000"/>
+            </a:solidFill>
+          </a:ln>
+        </p:spPr>
+        <p:style>
+          <a:lnRef idx="2">
+            <a:schemeClr val="accent2"/>
+          </a:lnRef>
+          <a:fillRef idx="1">
+            <a:schemeClr val="lt1"/>
+          </a:fillRef>
+          <a:effectRef idx="0">
+            <a:schemeClr val="accent2"/>
+          </a:effectRef>
+          <a:fontRef idx="minor">
+            <a:schemeClr val="dk1"/>
+          </a:fontRef>
+        </p:style>
+        <p:txBody>
+          <a:bodyPr rtlCol="0" anchor="ctr"/>
+          <a:lstStyle/>
+          <a:p>
+            <a:pPr algn="ctr"/>
+            <a:endParaRPr lang="en-GB"/>
+          </a:p>
+        </p:txBody>
+      </p:sp>
+    </p:spTree>
+    <p:extLst>
+      <p:ext uri="{BB962C8B-B14F-4D97-AF65-F5344CB8AC3E}">
+        <p14:creationId xmlns:p14="http://schemas.microsoft.com/office/powerpoint/2010/main" val="379708964"/>
+      </p:ext>
+    </p:extLst>
+  </p:cSld>
+  <p:clrMapOvr>
+    <a:masterClrMapping/>
+  </p:clrMapOvr>
+  <p:timing>
+    <p:tnLst>
+      <p:par>
+        <p:cTn id="1" dur="indefinite" restart="never" nodeType="tmRoot"/>
+      </p:par>
+    </p:tnLst>
+  </p:timing>
+</p:sld>
+</file>
+
+<file path=ppt/slides/slide11.xml><?xml version="1.0" encoding="utf-8"?>
+<p:sld xmlns:a="http://schemas.openxmlformats.org/drawingml/2006/main" xmlns:r="http://schemas.openxmlformats.org/officeDocument/2006/relationships" xmlns:p="http://schemas.openxmlformats.org/presentationml/2006/main">
+  <p:cSld>
+    <p:spTree>
+      <p:nvGrpSpPr>
+        <p:cNvPr id="1" name=""/>
+        <p:cNvGrpSpPr/>
+        <p:nvPr/>
+      </p:nvGrpSpPr>
+      <p:grpSpPr>
+        <a:xfrm>
+          <a:off x="0" y="0"/>
+          <a:ext cx="0" cy="0"/>
+          <a:chOff x="0" y="0"/>
+          <a:chExt cx="0" cy="0"/>
+        </a:xfrm>
+      </p:grpSpPr>
+      <p:sp>
+        <p:nvSpPr>
+          <p:cNvPr id="2" name="Titel 1"/>
+          <p:cNvSpPr>
+            <a:spLocks noGrp="1"/>
+          </p:cNvSpPr>
+          <p:nvPr>
+            <p:ph type="title"/>
+          </p:nvPr>
+        </p:nvSpPr>
+        <p:spPr/>
+        <p:txBody>
+          <a:bodyPr/>
+          <a:lstStyle/>
+          <a:p>
+            <a:r>
+              <a:rPr lang="de-DE" dirty="0" smtClean="0"/>
+              <a:t>Länge des Binärstrings</a:t>
+            </a:r>
+            <a:endParaRPr lang="en-GB" dirty="0"/>
+          </a:p>
+        </p:txBody>
+      </p:sp>
+      <p:sp>
+        <p:nvSpPr>
+          <p:cNvPr id="3" name="Textplatzhalter 2"/>
+          <p:cNvSpPr>
+            <a:spLocks noGrp="1"/>
+          </p:cNvSpPr>
+          <p:nvPr>
+            <p:ph type="body" idx="1"/>
+          </p:nvPr>
+        </p:nvSpPr>
+        <p:spPr/>
+        <p:txBody>
+          <a:bodyPr/>
+          <a:lstStyle/>
+          <a:p>
+            <a:r>
+              <a:rPr lang="de-DE" dirty="0" smtClean="0"/>
+              <a:t>Variabel einstellbar</a:t>
+            </a:r>
+          </a:p>
+          <a:p>
+            <a:r>
+              <a:rPr lang="de-DE" dirty="0" smtClean="0"/>
+              <a:t>Steuert zusammen mit dem Intervall die Granularität</a:t>
+            </a:r>
+          </a:p>
+          <a:p>
+            <a:r>
+              <a:rPr lang="de-DE" dirty="0" smtClean="0"/>
+              <a:t>Untersuchte Werte: 10 und 15</a:t>
+            </a:r>
+          </a:p>
+          <a:p>
+            <a:r>
+              <a:rPr lang="de-DE" dirty="0" smtClean="0"/>
+              <a:t>Tests ergaben:</a:t>
+            </a:r>
+          </a:p>
+          <a:p>
+            <a:pPr lvl="1"/>
+            <a:r>
+              <a:rPr lang="de-DE" dirty="0" smtClean="0"/>
+              <a:t>Bewirkt einen deutlichen Performanceabfall </a:t>
+            </a:r>
+          </a:p>
+          <a:p>
+            <a:pPr lvl="1"/>
+            <a:r>
+              <a:rPr lang="de-DE" dirty="0" smtClean="0"/>
+              <a:t>Kaum Verbesserungen bzw. Verschlechterungen zu spüren</a:t>
+            </a:r>
+            <a:endParaRPr lang="en-GB" dirty="0"/>
+          </a:p>
+        </p:txBody>
+      </p:sp>
+    </p:spTree>
+    <p:extLst>
+      <p:ext uri="{BB962C8B-B14F-4D97-AF65-F5344CB8AC3E}">
+        <p14:creationId xmlns:p14="http://schemas.microsoft.com/office/powerpoint/2010/main" val="1621446866"/>
+      </p:ext>
+    </p:extLst>
+  </p:cSld>
+  <p:clrMapOvr>
+    <a:masterClrMapping/>
+  </p:clrMapOvr>
+  <p:timing>
+    <p:tnLst>
+      <p:par>
+        <p:cTn id="1" dur="indefinite" restart="never" nodeType="tmRoot"/>
+      </p:par>
+    </p:tnLst>
+  </p:timing>
+</p:sld>
+</file>
+
+<file path=ppt/slides/slide12.xml><?xml version="1.0" encoding="utf-8"?>
+<p:sld xmlns:a="http://schemas.openxmlformats.org/drawingml/2006/main" xmlns:r="http://schemas.openxmlformats.org/officeDocument/2006/relationships" xmlns:p="http://schemas.openxmlformats.org/presentationml/2006/main">
+  <p:cSld>
+    <p:spTree>
+      <p:nvGrpSpPr>
+        <p:cNvPr id="1" name=""/>
+        <p:cNvGrpSpPr/>
+        <p:nvPr/>
+      </p:nvGrpSpPr>
+      <p:grpSpPr>
+        <a:xfrm>
+          <a:off x="0" y="0"/>
+          <a:ext cx="0" cy="0"/>
+          <a:chOff x="0" y="0"/>
+          <a:chExt cx="0" cy="0"/>
+        </a:xfrm>
+      </p:grpSpPr>
+      <p:sp>
+        <p:nvSpPr>
+          <p:cNvPr id="2" name="Titel 1"/>
+          <p:cNvSpPr>
+            <a:spLocks noGrp="1"/>
+          </p:cNvSpPr>
+          <p:nvPr>
+            <p:ph type="title"/>
+          </p:nvPr>
+        </p:nvSpPr>
+        <p:spPr/>
+        <p:txBody>
+          <a:bodyPr/>
+          <a:lstStyle/>
+          <a:p>
+            <a:r>
+              <a:rPr lang="de-DE" dirty="0"/>
+              <a:t>Oberfläche und Parameter</a:t>
+            </a:r>
+            <a:endParaRPr lang="en-GB" dirty="0"/>
+          </a:p>
+        </p:txBody>
+      </p:sp>
+      <p:sp>
+        <p:nvSpPr>
+          <p:cNvPr id="3" name="Textplatzhalter 2"/>
+          <p:cNvSpPr>
+            <a:spLocks noGrp="1"/>
+          </p:cNvSpPr>
+          <p:nvPr>
+            <p:ph type="body" idx="1"/>
+          </p:nvPr>
+        </p:nvSpPr>
+        <p:spPr/>
+        <p:txBody>
+          <a:bodyPr/>
+          <a:lstStyle/>
+          <a:p>
+            <a:endParaRPr lang="en-GB" dirty="0"/>
+          </a:p>
+        </p:txBody>
+      </p:sp>
+      <p:pic>
+        <p:nvPicPr>
+          <p:cNvPr id="4" name="Grafik 3"/>
+          <p:cNvPicPr>
+            <a:picLocks noChangeAspect="1"/>
+          </p:cNvPicPr>
+          <p:nvPr/>
+        </p:nvPicPr>
+        <p:blipFill>
+          <a:blip r:embed="rId2">
+            <a:extLst>
+              <a:ext uri="{28A0092B-C50C-407E-A947-70E740481C1C}">
+                <a14:useLocalDpi xmlns:a14="http://schemas.microsoft.com/office/drawing/2010/main" val="0"/>
+              </a:ext>
+            </a:extLst>
+          </a:blip>
+          <a:stretch>
+            <a:fillRect/>
+          </a:stretch>
+        </p:blipFill>
+        <p:spPr>
+          <a:xfrm>
+            <a:off x="470256" y="1733409"/>
+            <a:ext cx="8261143" cy="4647919"/>
+          </a:xfrm>
+          <a:prstGeom prst="rect">
+            <a:avLst/>
+          </a:prstGeom>
+        </p:spPr>
+      </p:pic>
+      <p:sp>
+        <p:nvSpPr>
+          <p:cNvPr id="5" name="Rechteck 4"/>
+          <p:cNvSpPr/>
+          <p:nvPr/>
+        </p:nvSpPr>
+        <p:spPr>
+          <a:xfrm>
+            <a:off x="4228604" y="2422426"/>
+            <a:ext cx="1495524" cy="216024"/>
+          </a:xfrm>
+          <a:prstGeom prst="rect">
+            <a:avLst/>
+          </a:prstGeom>
+          <a:noFill/>
+          <a:ln>
+            <a:solidFill>
+              <a:srgbClr val="FF0000"/>
+            </a:solidFill>
+          </a:ln>
+        </p:spPr>
+        <p:style>
+          <a:lnRef idx="2">
+            <a:schemeClr val="accent2"/>
+          </a:lnRef>
+          <a:fillRef idx="1">
+            <a:schemeClr val="lt1"/>
+          </a:fillRef>
+          <a:effectRef idx="0">
+            <a:schemeClr val="accent2"/>
+          </a:effectRef>
+          <a:fontRef idx="minor">
+            <a:schemeClr val="dk1"/>
+          </a:fontRef>
+        </p:style>
+        <p:txBody>
+          <a:bodyPr rtlCol="0" anchor="ctr"/>
+          <a:lstStyle/>
+          <a:p>
+            <a:pPr algn="ctr"/>
+            <a:endParaRPr lang="en-GB"/>
+          </a:p>
+        </p:txBody>
+      </p:sp>
+    </p:spTree>
+    <p:extLst>
+      <p:ext uri="{BB962C8B-B14F-4D97-AF65-F5344CB8AC3E}">
+        <p14:creationId xmlns:p14="http://schemas.microsoft.com/office/powerpoint/2010/main" val="603946483"/>
+      </p:ext>
+    </p:extLst>
+  </p:cSld>
+  <p:clrMapOvr>
+    <a:masterClrMapping/>
+  </p:clrMapOvr>
+  <p:timing>
+    <p:tnLst>
+      <p:par>
+        <p:cTn id="1" dur="indefinite" restart="never" nodeType="tmRoot"/>
+      </p:par>
+    </p:tnLst>
+  </p:timing>
+</p:sld>
+</file>
+
+<file path=ppt/slides/slide13.xml><?xml version="1.0" encoding="utf-8"?>
+<p:sld xmlns:a="http://schemas.openxmlformats.org/drawingml/2006/main" xmlns:r="http://schemas.openxmlformats.org/officeDocument/2006/relationships" xmlns:p="http://schemas.openxmlformats.org/presentationml/2006/main">
+  <p:cSld>
+    <p:spTree>
+      <p:nvGrpSpPr>
+        <p:cNvPr id="1" name=""/>
+        <p:cNvGrpSpPr/>
+        <p:nvPr/>
+      </p:nvGrpSpPr>
+      <p:grpSpPr>
+        <a:xfrm>
+          <a:off x="0" y="0"/>
+          <a:ext cx="0" cy="0"/>
+          <a:chOff x="0" y="0"/>
+          <a:chExt cx="0" cy="0"/>
+        </a:xfrm>
+      </p:grpSpPr>
+      <p:sp>
+        <p:nvSpPr>
+          <p:cNvPr id="2" name="Titel 1"/>
+          <p:cNvSpPr>
+            <a:spLocks noGrp="1"/>
+          </p:cNvSpPr>
+          <p:nvPr>
+            <p:ph type="title"/>
+          </p:nvPr>
+        </p:nvSpPr>
+        <p:spPr/>
+        <p:txBody>
+          <a:bodyPr/>
+          <a:lstStyle/>
+          <a:p>
+            <a:r>
+              <a:rPr lang="de-DE" dirty="0" smtClean="0"/>
+              <a:t>Problemstellung</a:t>
+            </a:r>
+            <a:endParaRPr lang="en-GB" dirty="0"/>
+          </a:p>
+        </p:txBody>
+      </p:sp>
+      <mc:AlternateContent xmlns:mc="http://schemas.openxmlformats.org/markup-compatibility/2006">
+        <mc:Choice xmlns:a14="http://schemas.microsoft.com/office/drawing/2010/main" Requires="a14">
+          <p:sp>
+            <p:nvSpPr>
+              <p:cNvPr id="3" name="Textplatzhalter 2"/>
+              <p:cNvSpPr>
+                <a:spLocks noGrp="1"/>
+              </p:cNvSpPr>
+              <p:nvPr>
+                <p:ph type="body" idx="1"/>
+              </p:nvPr>
+            </p:nvSpPr>
+            <p:spPr/>
+            <p:txBody>
+              <a:bodyPr/>
+              <a:lstStyle/>
+              <a:p>
+                <a:r>
+                  <a:rPr lang="de-DE" sz="2400" dirty="0" smtClean="0"/>
+                  <a:t>Enthält Liste aller implementierten Problemstellungen</a:t>
+                </a:r>
+                <a:endParaRPr lang="en-GB" sz="2400" dirty="0" smtClean="0"/>
+              </a:p>
+              <a:p>
+                <a:r>
+                  <a:rPr lang="de-DE" sz="2400" dirty="0" smtClean="0"/>
+                  <a:t>Implementiert sind:</a:t>
+                </a:r>
+              </a:p>
+              <a:p>
+                <a:pPr lvl="1"/>
+                <a:r>
+                  <a:rPr lang="de-DE" sz="1800" dirty="0" smtClean="0"/>
+                  <a:t>Das lineare Gleichungssystem: </a:t>
+                </a:r>
+              </a:p>
+              <a:p>
+                <a:pPr marL="1200150" lvl="2" indent="-342900">
+                  <a:buFont typeface="+mj-lt"/>
+                  <a:buAutoNum type="romanUcPeriod"/>
+                </a:pPr>
+                <a14:m>
+                  <m:oMath xmlns:m="http://schemas.openxmlformats.org/officeDocument/2006/math">
+                    <m:sSubSup>
+                      <m:sSubSupPr>
+                        <m:ctrlPr>
+                          <a:rPr lang="de-DE" sz="1550" b="0" i="1" smtClean="0">
+                            <a:latin typeface="Cambria Math"/>
+                          </a:rPr>
+                        </m:ctrlPr>
+                      </m:sSubSupPr>
+                      <m:e>
+                        <m:r>
+                          <a:rPr lang="de-DE" sz="1550" b="0" i="1" smtClean="0">
+                            <a:latin typeface="Cambria Math"/>
+                          </a:rPr>
+                          <m:t>𝑥</m:t>
+                        </m:r>
+                      </m:e>
+                      <m:sub>
+                        <m:r>
+                          <a:rPr lang="de-DE" sz="1550" b="0" i="1" smtClean="0">
+                            <a:latin typeface="Cambria Math"/>
+                          </a:rPr>
+                          <m:t>1</m:t>
+                        </m:r>
+                      </m:sub>
+                      <m:sup>
+                        <m:r>
+                          <a:rPr lang="de-DE" sz="1550" b="0" i="1" smtClean="0">
+                            <a:latin typeface="Cambria Math"/>
+                          </a:rPr>
+                          <m:t>2</m:t>
+                        </m:r>
+                      </m:sup>
+                    </m:sSubSup>
+                    <m:r>
+                      <a:rPr lang="de-DE" sz="1550" b="0" i="1" smtClean="0">
+                        <a:latin typeface="Cambria Math"/>
+                      </a:rPr>
+                      <m:t>+2</m:t>
+                    </m:r>
+                    <m:sSubSup>
+                      <m:sSubSupPr>
+                        <m:ctrlPr>
+                          <a:rPr lang="de-DE" sz="1550" b="0" i="1" smtClean="0">
+                            <a:latin typeface="Cambria Math"/>
+                          </a:rPr>
+                        </m:ctrlPr>
+                      </m:sSubSupPr>
+                      <m:e>
+                        <m:r>
+                          <a:rPr lang="de-DE" sz="1550" b="0" i="1" smtClean="0">
+                            <a:latin typeface="Cambria Math"/>
+                          </a:rPr>
+                          <m:t>𝑥</m:t>
+                        </m:r>
+                      </m:e>
+                      <m:sub>
+                        <m:r>
+                          <a:rPr lang="de-DE" sz="1550" b="0" i="1" smtClean="0">
+                            <a:latin typeface="Cambria Math"/>
+                          </a:rPr>
+                          <m:t>2</m:t>
+                        </m:r>
+                      </m:sub>
+                      <m:sup>
+                        <m:r>
+                          <a:rPr lang="de-DE" sz="1550" b="0" i="1" smtClean="0">
+                            <a:latin typeface="Cambria Math"/>
+                          </a:rPr>
+                          <m:t>2</m:t>
+                        </m:r>
+                      </m:sup>
+                    </m:sSubSup>
+                    <m:r>
+                      <a:rPr lang="de-DE" sz="1550" b="0" i="1" smtClean="0">
+                        <a:latin typeface="Cambria Math"/>
+                      </a:rPr>
+                      <m:t>−4=0</m:t>
+                    </m:r>
+                  </m:oMath>
+                </a14:m>
+                <a:endParaRPr lang="de-DE" sz="1550" b="0" i="1" dirty="0" smtClean="0">
+                  <a:latin typeface="Cambria Math"/>
+                </a:endParaRPr>
+              </a:p>
+              <a:p>
+                <a:pPr marL="1200150" lvl="2" indent="-342900">
+                  <a:buFont typeface="+mj-lt"/>
+                  <a:buAutoNum type="romanUcPeriod"/>
+                </a:pPr>
+                <a14:m>
+                  <m:oMath xmlns:m="http://schemas.openxmlformats.org/officeDocument/2006/math">
+                    <m:sSubSup>
+                      <m:sSubSupPr>
+                        <m:ctrlPr>
+                          <a:rPr lang="de-DE" sz="1550" b="0" i="1" smtClean="0">
+                            <a:latin typeface="Cambria Math"/>
+                          </a:rPr>
+                        </m:ctrlPr>
+                      </m:sSubSupPr>
+                      <m:e>
+                        <m:sSubSup>
+                          <m:sSubSupPr>
+                            <m:ctrlPr>
+                              <a:rPr lang="de-DE" sz="1550" b="0" i="1" smtClean="0">
+                                <a:latin typeface="Cambria Math"/>
+                              </a:rPr>
+                            </m:ctrlPr>
+                          </m:sSubSupPr>
+                          <m:e>
+                            <m:r>
+                              <m:rPr>
+                                <m:nor/>
+                              </m:rPr>
+                              <a:rPr lang="de-DE" sz="1550" b="0" i="0" smtClean="0">
+                                <a:latin typeface="Cambria Math"/>
+                              </a:rPr>
+                              <m:t>x</m:t>
+                            </m:r>
+                          </m:e>
+                          <m:sub>
+                            <m:r>
+                              <m:rPr>
+                                <m:nor/>
+                              </m:rPr>
+                              <a:rPr lang="de-DE" sz="1550" b="0" i="0" smtClean="0">
+                                <a:latin typeface="Cambria Math"/>
+                              </a:rPr>
+                              <m:t>1</m:t>
+                            </m:r>
+                          </m:sub>
+                          <m:sup>
+                            <m:r>
+                              <m:rPr>
+                                <m:nor/>
+                              </m:rPr>
+                              <a:rPr lang="de-DE" sz="1550" b="0" i="0" smtClean="0">
+                                <a:latin typeface="Cambria Math"/>
+                              </a:rPr>
+                              <m:t>2</m:t>
+                            </m:r>
+                          </m:sup>
+                        </m:sSubSup>
+                        <m:r>
+                          <m:rPr>
+                            <m:nor/>
+                          </m:rPr>
+                          <a:rPr lang="de-DE" sz="1550" b="0" i="0" smtClean="0">
+                            <a:latin typeface="Cambria Math"/>
+                          </a:rPr>
+                          <m:t>+</m:t>
+                        </m:r>
+                        <m:r>
+                          <m:rPr>
+                            <m:nor/>
+                          </m:rPr>
+                          <a:rPr lang="de-DE" sz="1550" b="0" i="0" smtClean="0">
+                            <a:latin typeface="Cambria Math"/>
+                          </a:rPr>
+                          <m:t>x</m:t>
+                        </m:r>
+                      </m:e>
+                      <m:sub>
+                        <m:r>
+                          <m:rPr>
+                            <m:nor/>
+                          </m:rPr>
+                          <a:rPr lang="de-DE" sz="1550" b="0" i="0" smtClean="0">
+                            <a:latin typeface="Cambria Math"/>
+                          </a:rPr>
+                          <m:t>2</m:t>
+                        </m:r>
+                      </m:sub>
+                      <m:sup>
+                        <m:r>
+                          <m:rPr>
+                            <m:nor/>
+                          </m:rPr>
+                          <a:rPr lang="de-DE" sz="1550" b="0" i="0" smtClean="0">
+                            <a:latin typeface="Cambria Math"/>
+                          </a:rPr>
+                          <m:t>2</m:t>
+                        </m:r>
+                      </m:sup>
+                    </m:sSubSup>
+                    <m:sSub>
+                      <m:sSubPr>
+                        <m:ctrlPr>
+                          <a:rPr lang="de-DE" sz="1550" b="0" i="1" smtClean="0">
+                            <a:latin typeface="Cambria Math"/>
+                          </a:rPr>
+                        </m:ctrlPr>
+                      </m:sSubPr>
+                      <m:e>
+                        <m:r>
+                          <m:rPr>
+                            <m:nor/>
+                          </m:rPr>
+                          <a:rPr lang="de-DE" sz="1550" b="0" i="0" smtClean="0">
+                            <a:latin typeface="Cambria Math"/>
+                          </a:rPr>
+                          <m:t>+</m:t>
+                        </m:r>
+                        <m:r>
+                          <m:rPr>
+                            <m:nor/>
+                          </m:rPr>
+                          <a:rPr lang="de-DE" sz="1550" b="0" i="0" smtClean="0">
+                            <a:latin typeface="Cambria Math"/>
+                          </a:rPr>
+                          <m:t>x</m:t>
+                        </m:r>
+                      </m:e>
+                      <m:sub>
+                        <m:r>
+                          <m:rPr>
+                            <m:nor/>
+                          </m:rPr>
+                          <a:rPr lang="de-DE" sz="1550" b="0" i="0" smtClean="0">
+                            <a:latin typeface="Cambria Math"/>
+                          </a:rPr>
+                          <m:t>3</m:t>
+                        </m:r>
+                      </m:sub>
+                    </m:sSub>
+                    <m:r>
+                      <m:rPr>
+                        <m:nor/>
+                      </m:rPr>
+                      <a:rPr lang="de-DE" sz="1550" b="0" i="0" smtClean="0">
+                        <a:latin typeface="Cambria Math"/>
+                      </a:rPr>
+                      <m:t>-8</m:t>
+                    </m:r>
+                    <m:r>
+                      <a:rPr lang="de-DE" sz="1550" b="0" i="1" smtClean="0">
+                        <a:latin typeface="Cambria Math"/>
+                      </a:rPr>
+                      <m:t>=0</m:t>
+                    </m:r>
+                  </m:oMath>
+                </a14:m>
+                <a:endParaRPr lang="de-DE" sz="1550" b="0" i="1" dirty="0" smtClean="0">
+                  <a:latin typeface="Cambria Math"/>
+                </a:endParaRPr>
+              </a:p>
+              <a:p>
+                <a:pPr marL="1200150" lvl="2" indent="-342900">
+                  <a:buFont typeface="+mj-lt"/>
+                  <a:buAutoNum type="romanUcPeriod"/>
+                </a:pPr>
+                <a14:m>
+                  <m:oMath xmlns:m="http://schemas.openxmlformats.org/officeDocument/2006/math">
+                    <m:sSup>
+                      <m:sSupPr>
+                        <m:ctrlPr>
+                          <a:rPr lang="de-DE" sz="1550" b="0" i="1" smtClean="0">
+                            <a:latin typeface="Cambria Math"/>
+                          </a:rPr>
+                        </m:ctrlPr>
+                      </m:sSupPr>
+                      <m:e>
+                        <m:d>
+                          <m:dPr>
+                            <m:ctrlPr>
+                              <a:rPr lang="de-DE" sz="1550" b="0" i="1" smtClean="0">
+                                <a:latin typeface="Cambria Math"/>
+                              </a:rPr>
+                            </m:ctrlPr>
+                          </m:dPr>
+                          <m:e>
+                            <m:sSub>
+                              <m:sSubPr>
+                                <m:ctrlPr>
+                                  <a:rPr lang="de-DE" sz="1550" b="0" i="1" smtClean="0">
+                                    <a:latin typeface="Cambria Math"/>
+                                  </a:rPr>
+                                </m:ctrlPr>
+                              </m:sSubPr>
+                              <m:e>
+                                <m:r>
+                                  <a:rPr lang="de-DE" sz="1550" b="0" i="1" smtClean="0">
+                                    <a:latin typeface="Cambria Math"/>
+                                  </a:rPr>
+                                  <m:t>𝑥</m:t>
+                                </m:r>
+                              </m:e>
+                              <m:sub>
+                                <m:r>
+                                  <a:rPr lang="de-DE" sz="1550" b="0" i="1" smtClean="0">
+                                    <a:latin typeface="Cambria Math"/>
+                                  </a:rPr>
+                                  <m:t>1</m:t>
+                                </m:r>
+                              </m:sub>
+                            </m:sSub>
+                            <m:r>
+                              <a:rPr lang="de-DE" sz="1550" b="0" i="1" smtClean="0">
+                                <a:latin typeface="Cambria Math"/>
+                              </a:rPr>
+                              <m:t>−1</m:t>
+                            </m:r>
+                          </m:e>
+                        </m:d>
+                      </m:e>
+                      <m:sup>
+                        <m:r>
+                          <a:rPr lang="de-DE" sz="1550" b="0" i="1" smtClean="0">
+                            <a:latin typeface="Cambria Math"/>
+                          </a:rPr>
+                          <m:t>2</m:t>
+                        </m:r>
+                      </m:sup>
+                    </m:sSup>
+                    <m:r>
+                      <a:rPr lang="de-DE" sz="1550" b="0" i="1" smtClean="0">
+                        <a:latin typeface="Cambria Math"/>
+                      </a:rPr>
+                      <m:t>+</m:t>
+                    </m:r>
+                    <m:sSup>
+                      <m:sSupPr>
+                        <m:ctrlPr>
+                          <a:rPr lang="de-DE" sz="1550" b="0" i="1" smtClean="0">
+                            <a:latin typeface="Cambria Math"/>
+                          </a:rPr>
+                        </m:ctrlPr>
+                      </m:sSupPr>
+                      <m:e>
+                        <m:d>
+                          <m:dPr>
+                            <m:ctrlPr>
+                              <a:rPr lang="de-DE" sz="1550" b="0" i="1" smtClean="0">
+                                <a:latin typeface="Cambria Math"/>
+                              </a:rPr>
+                            </m:ctrlPr>
+                          </m:dPr>
+                          <m:e>
+                            <m:r>
+                              <a:rPr lang="de-DE" sz="1550" b="0" i="1" smtClean="0">
+                                <a:latin typeface="Cambria Math"/>
+                              </a:rPr>
+                              <m:t>2</m:t>
+                            </m:r>
+                            <m:sSub>
+                              <m:sSubPr>
+                                <m:ctrlPr>
+                                  <a:rPr lang="de-DE" sz="1550" b="0" i="1" smtClean="0">
+                                    <a:latin typeface="Cambria Math"/>
+                                  </a:rPr>
+                                </m:ctrlPr>
+                              </m:sSubPr>
+                              <m:e>
+                                <m:r>
+                                  <a:rPr lang="de-DE" sz="1550" b="0" i="1" smtClean="0">
+                                    <a:latin typeface="Cambria Math"/>
+                                  </a:rPr>
+                                  <m:t>𝑥</m:t>
+                                </m:r>
+                              </m:e>
+                              <m:sub>
+                                <m:r>
+                                  <a:rPr lang="de-DE" sz="1550" b="0" i="1" smtClean="0">
+                                    <a:latin typeface="Cambria Math"/>
+                                  </a:rPr>
+                                  <m:t>2</m:t>
+                                </m:r>
+                              </m:sub>
+                            </m:sSub>
+                            <m:r>
+                              <a:rPr lang="de-DE" sz="1550" b="0" i="1" smtClean="0">
+                                <a:latin typeface="Cambria Math"/>
+                              </a:rPr>
+                              <m:t>−</m:t>
+                            </m:r>
+                            <m:rad>
+                              <m:radPr>
+                                <m:degHide m:val="on"/>
+                                <m:ctrlPr>
+                                  <a:rPr lang="de-DE" sz="1550" b="0" i="1" smtClean="0">
+                                    <a:latin typeface="Cambria Math"/>
+                                  </a:rPr>
+                                </m:ctrlPr>
+                              </m:radPr>
+                              <m:deg/>
+                              <m:e>
+                                <m:r>
+                                  <a:rPr lang="de-DE" sz="1550" b="0" i="1" smtClean="0">
+                                    <a:latin typeface="Cambria Math"/>
+                                  </a:rPr>
+                                  <m:t>2</m:t>
+                                </m:r>
+                              </m:e>
+                            </m:rad>
+                          </m:e>
+                        </m:d>
+                      </m:e>
+                      <m:sup>
+                        <m:r>
+                          <a:rPr lang="de-DE" sz="1550" b="0" i="1" smtClean="0">
+                            <a:latin typeface="Cambria Math"/>
+                          </a:rPr>
+                          <m:t>2</m:t>
+                        </m:r>
+                      </m:sup>
+                    </m:sSup>
+                    <m:r>
+                      <a:rPr lang="de-DE" sz="1550" b="0" i="1" smtClean="0">
+                        <a:latin typeface="Cambria Math"/>
+                      </a:rPr>
+                      <m:t>+</m:t>
+                    </m:r>
+                    <m:sSup>
+                      <m:sSupPr>
+                        <m:ctrlPr>
+                          <a:rPr lang="de-DE" sz="1550" b="0" i="1" smtClean="0">
+                            <a:latin typeface="Cambria Math"/>
+                          </a:rPr>
+                        </m:ctrlPr>
+                      </m:sSupPr>
+                      <m:e>
+                        <m:d>
+                          <m:dPr>
+                            <m:ctrlPr>
+                              <a:rPr lang="de-DE" sz="1550" b="0" i="1" smtClean="0">
+                                <a:latin typeface="Cambria Math"/>
+                              </a:rPr>
+                            </m:ctrlPr>
+                          </m:dPr>
+                          <m:e>
+                            <m:sSub>
+                              <m:sSubPr>
+                                <m:ctrlPr>
+                                  <a:rPr lang="de-DE" sz="1550" b="0" i="1" smtClean="0">
+                                    <a:latin typeface="Cambria Math"/>
+                                  </a:rPr>
+                                </m:ctrlPr>
+                              </m:sSubPr>
+                              <m:e>
+                                <m:r>
+                                  <a:rPr lang="de-DE" sz="1550" b="0" i="1" smtClean="0">
+                                    <a:latin typeface="Cambria Math"/>
+                                  </a:rPr>
+                                  <m:t>𝑥</m:t>
+                                </m:r>
+                              </m:e>
+                              <m:sub>
+                                <m:r>
+                                  <a:rPr lang="de-DE" sz="1550" b="0" i="1" smtClean="0">
+                                    <a:latin typeface="Cambria Math"/>
+                                  </a:rPr>
+                                  <m:t>3</m:t>
+                                </m:r>
+                              </m:sub>
+                            </m:sSub>
+                            <m:r>
+                              <a:rPr lang="de-DE" sz="1550" b="0" i="1" smtClean="0">
+                                <a:latin typeface="Cambria Math"/>
+                              </a:rPr>
+                              <m:t>−5</m:t>
+                            </m:r>
+                          </m:e>
+                        </m:d>
+                      </m:e>
+                      <m:sup>
+                        <m:r>
+                          <a:rPr lang="de-DE" sz="1550" b="0" i="1" smtClean="0">
+                            <a:latin typeface="Cambria Math"/>
+                          </a:rPr>
+                          <m:t>2</m:t>
+                        </m:r>
+                      </m:sup>
+                    </m:sSup>
+                    <m:r>
+                      <a:rPr lang="de-DE" sz="1550" b="0" i="1" smtClean="0">
+                        <a:latin typeface="Cambria Math"/>
+                      </a:rPr>
+                      <m:t>−4=0</m:t>
+                    </m:r>
+                  </m:oMath>
+                </a14:m>
+                <a:endParaRPr lang="de-DE" sz="1550" dirty="0" smtClean="0">
+                  <a:latin typeface="Georgia" pitchFamily="18" charset="0"/>
+                </a:endParaRPr>
+              </a:p>
+              <a:p>
+                <a:pPr lvl="1"/>
+                <a:r>
+                  <a:rPr lang="de-DE" sz="1800" dirty="0" smtClean="0"/>
+                  <a:t>Minimierungsprobleme:</a:t>
+                </a:r>
+              </a:p>
+              <a:p>
+                <a:pPr lvl="2"/>
+                <a:r>
+                  <a:rPr lang="de" sz="1550" dirty="0" smtClean="0"/>
+                  <a:t>Griewank</a:t>
+                </a:r>
+                <a:r>
+                  <a:rPr lang="de" sz="1550" dirty="0"/>
+                  <a:t> - Funktion</a:t>
+                </a:r>
+                <a:endParaRPr lang="de" sz="1550" dirty="0" smtClean="0"/>
+              </a:p>
+              <a:p>
+                <a:pPr lvl="2"/>
+                <a:r>
+                  <a:rPr lang="de" sz="1550" dirty="0" smtClean="0"/>
+                  <a:t>Ackley - Funktion</a:t>
+                </a:r>
+              </a:p>
+              <a:p>
+                <a:pPr lvl="2"/>
+                <a:r>
+                  <a:rPr lang="de-DE" sz="1550" dirty="0" smtClean="0"/>
+                  <a:t>C </a:t>
+                </a:r>
+                <a:r>
+                  <a:rPr lang="de" sz="1550" dirty="0" smtClean="0"/>
+                  <a:t>- Funktion</a:t>
+                </a:r>
+              </a:p>
+              <a:p>
+                <a:pPr lvl="1"/>
+                <a:r>
+                  <a:rPr lang="de-DE" sz="1800" dirty="0" smtClean="0"/>
+                  <a:t>Nullstellenberechnung zur Funktion:</a:t>
+                </a:r>
+              </a:p>
+              <a:p>
+                <a:pPr marL="914400" lvl="2" indent="0">
+                  <a:buNone/>
+                </a:pPr>
+                <a14:m>
+                  <m:oMathPara xmlns:m="http://schemas.openxmlformats.org/officeDocument/2006/math">
+                    <m:oMathParaPr>
+                      <m:jc m:val="centerGroup"/>
+                    </m:oMathParaPr>
+                    <m:oMath xmlns:m="http://schemas.openxmlformats.org/officeDocument/2006/math">
+                      <m:sSub>
+                        <m:sSubPr>
+                          <m:ctrlPr>
+                            <a:rPr lang="de-DE" sz="1550" b="0" i="1" smtClean="0">
+                              <a:latin typeface="Cambria Math"/>
+                            </a:rPr>
+                          </m:ctrlPr>
+                        </m:sSubPr>
+                        <m:e>
+                          <m:r>
+                            <a:rPr lang="de-DE" sz="1550" b="0" i="1" smtClean="0">
+                              <a:latin typeface="Cambria Math"/>
+                            </a:rPr>
+                            <m:t>𝑓</m:t>
+                          </m:r>
+                        </m:e>
+                        <m:sub>
+                          <m:r>
+                            <a:rPr lang="de-DE" sz="1550" b="0" i="1" smtClean="0">
+                              <a:latin typeface="Cambria Math"/>
+                            </a:rPr>
+                            <m:t>𝑖</m:t>
+                          </m:r>
+                        </m:sub>
+                      </m:sSub>
+                      <m:d>
+                        <m:dPr>
+                          <m:ctrlPr>
+                            <a:rPr lang="de-DE" sz="1550" b="0" i="1" smtClean="0">
+                              <a:latin typeface="Cambria Math"/>
+                            </a:rPr>
+                          </m:ctrlPr>
+                        </m:dPr>
+                        <m:e>
+                          <m:r>
+                            <a:rPr lang="de-DE" sz="1550" b="0" i="1" smtClean="0">
+                              <a:latin typeface="Cambria Math"/>
+                            </a:rPr>
+                            <m:t>𝑥</m:t>
+                          </m:r>
+                        </m:e>
+                      </m:d>
+                      <m:r>
+                        <a:rPr lang="de-DE" sz="1550" b="0" i="1" smtClean="0">
+                          <a:latin typeface="Cambria Math"/>
+                        </a:rPr>
+                        <m:t>=</m:t>
+                      </m:r>
+                      <m:sSub>
+                        <m:sSubPr>
+                          <m:ctrlPr>
+                            <a:rPr lang="de-DE" sz="1550" b="0" i="1" smtClean="0">
+                              <a:latin typeface="Cambria Math"/>
+                            </a:rPr>
+                          </m:ctrlPr>
+                        </m:sSubPr>
+                        <m:e>
+                          <m:r>
+                            <a:rPr lang="de-DE" sz="1550" b="0" i="1" smtClean="0">
+                              <a:latin typeface="Cambria Math"/>
+                            </a:rPr>
+                            <m:t>𝑥</m:t>
+                          </m:r>
+                        </m:e>
+                        <m:sub>
+                          <m:r>
+                            <a:rPr lang="de-DE" sz="1550" b="0" i="1" smtClean="0">
+                              <a:latin typeface="Cambria Math"/>
+                            </a:rPr>
+                            <m:t>𝑖</m:t>
+                          </m:r>
+                        </m:sub>
+                      </m:sSub>
+                      <m:r>
+                        <a:rPr lang="de-DE" sz="1550" b="0" i="1" smtClean="0">
+                          <a:latin typeface="Cambria Math"/>
+                        </a:rPr>
+                        <m:t>+</m:t>
+                      </m:r>
+                      <m:nary>
+                        <m:naryPr>
+                          <m:chr m:val="∑"/>
+                          <m:ctrlPr>
+                            <a:rPr lang="de-DE" sz="1550" b="0" i="1" smtClean="0">
+                              <a:latin typeface="Cambria Math"/>
+                            </a:rPr>
+                          </m:ctrlPr>
+                        </m:naryPr>
+                        <m:sub>
+                          <m:r>
+                            <m:rPr>
+                              <m:brk m:alnAt="23"/>
+                            </m:rPr>
+                            <a:rPr lang="de-DE" sz="1550" b="0" i="1" smtClean="0">
+                              <a:latin typeface="Cambria Math"/>
+                            </a:rPr>
+                            <m:t>𝑗</m:t>
+                          </m:r>
+                          <m:r>
+                            <a:rPr lang="de-DE" sz="1550" b="0" i="1" smtClean="0">
+                              <a:latin typeface="Cambria Math"/>
+                            </a:rPr>
+                            <m:t>=1</m:t>
+                          </m:r>
+                        </m:sub>
+                        <m:sup>
+                          <m:r>
+                            <a:rPr lang="de-DE" sz="1550" b="0" i="1" smtClean="0">
+                              <a:latin typeface="Cambria Math"/>
+                            </a:rPr>
+                            <m:t>𝑛</m:t>
+                          </m:r>
+                        </m:sup>
+                        <m:e>
+                          <m:sSub>
+                            <m:sSubPr>
+                              <m:ctrlPr>
+                                <a:rPr lang="de-DE" sz="1550" b="0" i="1" smtClean="0">
+                                  <a:latin typeface="Cambria Math"/>
+                                </a:rPr>
+                              </m:ctrlPr>
+                            </m:sSubPr>
+                            <m:e>
+                              <m:r>
+                                <a:rPr lang="de-DE" sz="1550" b="0" i="1" smtClean="0">
+                                  <a:latin typeface="Cambria Math"/>
+                                </a:rPr>
+                                <m:t>𝑥</m:t>
+                              </m:r>
+                            </m:e>
+                            <m:sub>
+                              <m:r>
+                                <a:rPr lang="de-DE" sz="1550" b="0" i="1" smtClean="0">
+                                  <a:latin typeface="Cambria Math"/>
+                                </a:rPr>
+                                <m:t>𝑗</m:t>
+                              </m:r>
+                            </m:sub>
+                          </m:sSub>
+                        </m:e>
+                      </m:nary>
+                      <m:r>
+                        <a:rPr lang="de-DE" sz="1550" b="0" i="1" smtClean="0">
+                          <a:latin typeface="Cambria Math"/>
+                        </a:rPr>
+                        <m:t>−</m:t>
+                      </m:r>
+                      <m:d>
+                        <m:dPr>
+                          <m:ctrlPr>
+                            <a:rPr lang="de-DE" sz="1550" b="0" i="1" smtClean="0">
+                              <a:latin typeface="Cambria Math"/>
+                            </a:rPr>
+                          </m:ctrlPr>
+                        </m:dPr>
+                        <m:e>
+                          <m:r>
+                            <a:rPr lang="de-DE" sz="1550" b="0" i="1" smtClean="0">
+                              <a:latin typeface="Cambria Math"/>
+                            </a:rPr>
+                            <m:t>𝑛</m:t>
+                          </m:r>
+                          <m:r>
+                            <a:rPr lang="de-DE" sz="1550" b="0" i="1" smtClean="0">
+                              <a:latin typeface="Cambria Math"/>
+                            </a:rPr>
+                            <m:t>+1</m:t>
+                          </m:r>
+                        </m:e>
+                      </m:d>
+                      <m:r>
+                        <a:rPr lang="de-DE" sz="1550" b="0" i="1" smtClean="0">
+                          <a:latin typeface="Cambria Math"/>
+                        </a:rPr>
+                        <m:t>=0, </m:t>
+                      </m:r>
+                      <m:r>
+                        <a:rPr lang="de-DE" sz="1550" b="0" i="1" smtClean="0">
+                          <a:latin typeface="Cambria Math"/>
+                        </a:rPr>
+                        <m:t>𝑖</m:t>
+                      </m:r>
+                      <m:r>
+                        <a:rPr lang="de-DE" sz="1550" b="0" i="1" smtClean="0">
+                          <a:latin typeface="Cambria Math"/>
+                        </a:rPr>
+                        <m:t>=1</m:t>
+                      </m:r>
+                      <m:d>
+                        <m:dPr>
+                          <m:ctrlPr>
+                            <a:rPr lang="de-DE" sz="1550" b="0" i="1" smtClean="0">
+                              <a:latin typeface="Cambria Math"/>
+                            </a:rPr>
+                          </m:ctrlPr>
+                        </m:dPr>
+                        <m:e>
+                          <m:r>
+                            <a:rPr lang="de-DE" sz="1550" b="0" i="1" smtClean="0">
+                              <a:latin typeface="Cambria Math"/>
+                            </a:rPr>
+                            <m:t>1</m:t>
+                          </m:r>
+                        </m:e>
+                      </m:d>
+                      <m:d>
+                        <m:dPr>
+                          <m:ctrlPr>
+                            <a:rPr lang="de-DE" sz="1550" b="0" i="1" smtClean="0">
+                              <a:latin typeface="Cambria Math"/>
+                            </a:rPr>
+                          </m:ctrlPr>
+                        </m:dPr>
+                        <m:e>
+                          <m:r>
+                            <a:rPr lang="de-DE" sz="1550" b="0" i="1" smtClean="0">
+                              <a:latin typeface="Cambria Math"/>
+                            </a:rPr>
+                            <m:t>𝑛</m:t>
+                          </m:r>
+                          <m:r>
+                            <a:rPr lang="de-DE" sz="1550" b="0" i="1" smtClean="0">
+                              <a:latin typeface="Cambria Math"/>
+                            </a:rPr>
+                            <m:t>−1</m:t>
+                          </m:r>
+                        </m:e>
+                      </m:d>
+                      <m:r>
+                        <a:rPr lang="de-DE" sz="1550" b="0" i="1" smtClean="0">
+                          <a:latin typeface="Cambria Math"/>
+                        </a:rPr>
+                        <m:t>,</m:t>
+                      </m:r>
+                    </m:oMath>
+                    <m:oMath xmlns:m="http://schemas.openxmlformats.org/officeDocument/2006/math">
+                      <m:sSub>
+                        <m:sSubPr>
+                          <m:ctrlPr>
+                            <a:rPr lang="de-DE" sz="1550" b="0" i="1" smtClean="0">
+                              <a:latin typeface="Cambria Math"/>
+                            </a:rPr>
+                          </m:ctrlPr>
+                        </m:sSubPr>
+                        <m:e>
+                          <m:r>
+                            <a:rPr lang="de-DE" sz="1550" b="0" i="1" smtClean="0">
+                              <a:latin typeface="Cambria Math"/>
+                            </a:rPr>
+                            <m:t>𝑓</m:t>
+                          </m:r>
+                        </m:e>
+                        <m:sub>
+                          <m:r>
+                            <a:rPr lang="de-DE" sz="1550" b="0" i="1" smtClean="0">
+                              <a:latin typeface="Cambria Math"/>
+                            </a:rPr>
+                            <m:t>𝑛</m:t>
+                          </m:r>
+                        </m:sub>
+                      </m:sSub>
+                      <m:d>
+                        <m:dPr>
+                          <m:ctrlPr>
+                            <a:rPr lang="de-DE" sz="1550" b="0" i="1" smtClean="0">
+                              <a:latin typeface="Cambria Math"/>
+                            </a:rPr>
+                          </m:ctrlPr>
+                        </m:dPr>
+                        <m:e>
+                          <m:r>
+                            <a:rPr lang="de-DE" sz="1550" b="0" i="1" smtClean="0">
+                              <a:latin typeface="Cambria Math"/>
+                            </a:rPr>
+                            <m:t>𝑥</m:t>
+                          </m:r>
+                        </m:e>
+                      </m:d>
+                      <m:r>
+                        <a:rPr lang="de-DE" sz="1550" b="0" i="1" smtClean="0">
+                          <a:latin typeface="Cambria Math"/>
+                        </a:rPr>
+                        <m:t>= </m:t>
+                      </m:r>
+                      <m:nary>
+                        <m:naryPr>
+                          <m:chr m:val="∏"/>
+                          <m:ctrlPr>
+                            <a:rPr lang="de-DE" sz="1550" b="0" i="1" smtClean="0">
+                              <a:latin typeface="Cambria Math"/>
+                            </a:rPr>
+                          </m:ctrlPr>
+                        </m:naryPr>
+                        <m:sub>
+                          <m:r>
+                            <m:rPr>
+                              <m:brk m:alnAt="23"/>
+                            </m:rPr>
+                            <a:rPr lang="de-DE" sz="1550" b="0" i="1" smtClean="0">
+                              <a:latin typeface="Cambria Math"/>
+                            </a:rPr>
+                            <m:t>𝑗</m:t>
+                          </m:r>
+                          <m:r>
+                            <a:rPr lang="de-DE" sz="1550" b="0" i="1" smtClean="0">
+                              <a:latin typeface="Cambria Math"/>
+                            </a:rPr>
+                            <m:t>=1</m:t>
+                          </m:r>
+                        </m:sub>
+                        <m:sup>
+                          <m:r>
+                            <a:rPr lang="de-DE" sz="1550" b="0" i="1" smtClean="0">
+                              <a:latin typeface="Cambria Math"/>
+                            </a:rPr>
+                            <m:t>𝑛</m:t>
+                          </m:r>
+                        </m:sup>
+                        <m:e>
+                          <m:sSub>
+                            <m:sSubPr>
+                              <m:ctrlPr>
+                                <a:rPr lang="de-DE" sz="1550" b="0" i="1" smtClean="0">
+                                  <a:latin typeface="Cambria Math"/>
+                                </a:rPr>
+                              </m:ctrlPr>
+                            </m:sSubPr>
+                            <m:e>
+                              <m:r>
+                                <a:rPr lang="de-DE" sz="1550" b="0" i="1" smtClean="0">
+                                  <a:latin typeface="Cambria Math"/>
+                                </a:rPr>
+                                <m:t>𝑥</m:t>
+                              </m:r>
+                            </m:e>
+                            <m:sub>
+                              <m:r>
+                                <a:rPr lang="de-DE" sz="1550" b="0" i="1" smtClean="0">
+                                  <a:latin typeface="Cambria Math"/>
+                                </a:rPr>
+                                <m:t>𝑗</m:t>
+                              </m:r>
+                            </m:sub>
+                          </m:sSub>
+                        </m:e>
+                      </m:nary>
+                      <m:r>
+                        <a:rPr lang="de-DE" sz="1550" b="0" i="1" smtClean="0">
+                          <a:latin typeface="Cambria Math"/>
+                        </a:rPr>
+                        <m:t>−1=0</m:t>
+                      </m:r>
+                    </m:oMath>
+                  </m:oMathPara>
+                </a14:m>
+                <a:endParaRPr lang="de-DE" sz="1550" b="0" dirty="0" smtClean="0">
+                  <a:latin typeface="Georgia" pitchFamily="18" charset="0"/>
+                </a:endParaRPr>
+              </a:p>
+            </p:txBody>
+          </p:sp>
+        </mc:Choice>
+        <mc:Fallback>
+          <p:sp>
+            <p:nvSpPr>
+              <p:cNvPr id="3" name="Textplatzhalter 2"/>
+              <p:cNvSpPr>
+                <a:spLocks noGrp="1" noRot="1" noChangeAspect="1" noMove="1" noResize="1" noEditPoints="1" noAdjustHandles="1" noChangeArrowheads="1" noChangeShapeType="1" noTextEdit="1"/>
+              </p:cNvSpPr>
+              <p:nvPr>
+                <p:ph type="body" idx="1"/>
+              </p:nvPr>
+            </p:nvSpPr>
+            <p:spPr>
+              <a:blipFill rotWithShape="1">
+                <a:blip r:embed="rId2"/>
+                <a:stretch>
+                  <a:fillRect l="-2370" t="-4423" b="-5405"/>
+                </a:stretch>
+              </a:blipFill>
+            </p:spPr>
+            <p:txBody>
+              <a:bodyPr/>
+              <a:lstStyle/>
+              <a:p>
+                <a:r>
+                  <a:rPr lang="en-GB">
+                    <a:noFill/>
+                  </a:rPr>
+                  <a:t> </a:t>
+                </a:r>
+              </a:p>
+            </p:txBody>
+          </p:sp>
+        </mc:Fallback>
+      </mc:AlternateContent>
+    </p:spTree>
+    <p:extLst>
+      <p:ext uri="{BB962C8B-B14F-4D97-AF65-F5344CB8AC3E}">
+        <p14:creationId xmlns:p14="http://schemas.microsoft.com/office/powerpoint/2010/main" val="3055745842"/>
+      </p:ext>
+    </p:extLst>
+  </p:cSld>
+  <p:clrMapOvr>
+    <a:masterClrMapping/>
+  </p:clrMapOvr>
+  <p:timing>
+    <p:tnLst>
+      <p:par>
+        <p:cTn id="1" dur="indefinite" restart="never" nodeType="tmRoot"/>
+      </p:par>
+    </p:tnLst>
+  </p:timing>
+</p:sld>
+</file>
+
+<file path=ppt/slides/slide14.xml><?xml version="1.0" encoding="utf-8"?>
+<p:sld xmlns:a="http://schemas.openxmlformats.org/drawingml/2006/main" xmlns:r="http://schemas.openxmlformats.org/officeDocument/2006/relationships" xmlns:p="http://schemas.openxmlformats.org/presentationml/2006/main">
+  <p:cSld>
+    <p:spTree>
+      <p:nvGrpSpPr>
+        <p:cNvPr id="1" name=""/>
+        <p:cNvGrpSpPr/>
+        <p:nvPr/>
+      </p:nvGrpSpPr>
+      <p:grpSpPr>
+        <a:xfrm>
+          <a:off x="0" y="0"/>
+          <a:ext cx="0" cy="0"/>
+          <a:chOff x="0" y="0"/>
+          <a:chExt cx="0" cy="0"/>
+        </a:xfrm>
+      </p:grpSpPr>
+      <p:sp>
+        <p:nvSpPr>
+          <p:cNvPr id="2" name="Titel 1"/>
+          <p:cNvSpPr>
+            <a:spLocks noGrp="1"/>
+          </p:cNvSpPr>
+          <p:nvPr>
+            <p:ph type="title"/>
+          </p:nvPr>
+        </p:nvSpPr>
+        <p:spPr/>
+        <p:txBody>
+          <a:bodyPr/>
+          <a:lstStyle/>
+          <a:p>
+            <a:r>
+              <a:rPr lang="de-DE" dirty="0"/>
+              <a:t>Oberfläche und Parameter</a:t>
+            </a:r>
+            <a:endParaRPr lang="en-GB" dirty="0"/>
+          </a:p>
+        </p:txBody>
+      </p:sp>
+      <p:sp>
+        <p:nvSpPr>
+          <p:cNvPr id="3" name="Textplatzhalter 2"/>
+          <p:cNvSpPr>
+            <a:spLocks noGrp="1"/>
+          </p:cNvSpPr>
+          <p:nvPr>
+            <p:ph type="body" idx="1"/>
+          </p:nvPr>
+        </p:nvSpPr>
+        <p:spPr/>
+        <p:txBody>
+          <a:bodyPr/>
+          <a:lstStyle/>
+          <a:p>
+            <a:endParaRPr lang="en-GB" dirty="0"/>
+          </a:p>
+        </p:txBody>
+      </p:sp>
+      <p:pic>
+        <p:nvPicPr>
+          <p:cNvPr id="4" name="Grafik 3"/>
+          <p:cNvPicPr>
+            <a:picLocks noChangeAspect="1"/>
+          </p:cNvPicPr>
+          <p:nvPr/>
+        </p:nvPicPr>
+        <p:blipFill>
+          <a:blip r:embed="rId2">
+            <a:extLst>
+              <a:ext uri="{28A0092B-C50C-407E-A947-70E740481C1C}">
+                <a14:useLocalDpi xmlns:a14="http://schemas.microsoft.com/office/drawing/2010/main" val="0"/>
+              </a:ext>
+            </a:extLst>
+          </a:blip>
+          <a:stretch>
+            <a:fillRect/>
+          </a:stretch>
+        </p:blipFill>
+        <p:spPr>
+          <a:xfrm>
+            <a:off x="470256" y="1733409"/>
+            <a:ext cx="8261143" cy="4647919"/>
+          </a:xfrm>
+          <a:prstGeom prst="rect">
+            <a:avLst/>
+          </a:prstGeom>
+        </p:spPr>
+      </p:pic>
+      <p:sp>
+        <p:nvSpPr>
+          <p:cNvPr id="5" name="Rechteck 4"/>
+          <p:cNvSpPr/>
+          <p:nvPr/>
+        </p:nvSpPr>
+        <p:spPr>
+          <a:xfrm>
+            <a:off x="683568" y="2859286"/>
+            <a:ext cx="3528392" cy="216024"/>
+          </a:xfrm>
+          <a:prstGeom prst="rect">
+            <a:avLst/>
+          </a:prstGeom>
+          <a:noFill/>
+          <a:ln>
+            <a:solidFill>
+              <a:srgbClr val="FF0000"/>
+            </a:solidFill>
+          </a:ln>
+        </p:spPr>
+        <p:style>
+          <a:lnRef idx="2">
+            <a:schemeClr val="accent2"/>
+          </a:lnRef>
+          <a:fillRef idx="1">
+            <a:schemeClr val="lt1"/>
+          </a:fillRef>
+          <a:effectRef idx="0">
+            <a:schemeClr val="accent2"/>
+          </a:effectRef>
+          <a:fontRef idx="minor">
+            <a:schemeClr val="dk1"/>
+          </a:fontRef>
+        </p:style>
+        <p:txBody>
+          <a:bodyPr rtlCol="0" anchor="ctr"/>
+          <a:lstStyle/>
+          <a:p>
+            <a:pPr algn="ctr"/>
+            <a:endParaRPr lang="en-GB"/>
+          </a:p>
+        </p:txBody>
+      </p:sp>
+    </p:spTree>
+    <p:extLst>
+      <p:ext uri="{BB962C8B-B14F-4D97-AF65-F5344CB8AC3E}">
+        <p14:creationId xmlns:p14="http://schemas.microsoft.com/office/powerpoint/2010/main" val="1385374084"/>
+      </p:ext>
+    </p:extLst>
+  </p:cSld>
+  <p:clrMapOvr>
+    <a:masterClrMapping/>
+  </p:clrMapOvr>
+  <p:timing>
+    <p:tnLst>
+      <p:par>
+        <p:cTn id="1" dur="indefinite" restart="never" nodeType="tmRoot"/>
+      </p:par>
+    </p:tnLst>
+  </p:timing>
+</p:sld>
+</file>
+
+<file path=ppt/slides/slide15.xml><?xml version="1.0" encoding="utf-8"?>
+<p:sld xmlns:a="http://schemas.openxmlformats.org/drawingml/2006/main" xmlns:r="http://schemas.openxmlformats.org/officeDocument/2006/relationships" xmlns:p="http://schemas.openxmlformats.org/presentationml/2006/main">
+  <p:cSld>
+    <p:spTree>
+      <p:nvGrpSpPr>
+        <p:cNvPr id="1" name=""/>
+        <p:cNvGrpSpPr/>
+        <p:nvPr/>
+      </p:nvGrpSpPr>
+      <p:grpSpPr>
+        <a:xfrm>
+          <a:off x="0" y="0"/>
+          <a:ext cx="0" cy="0"/>
+          <a:chOff x="0" y="0"/>
+          <a:chExt cx="0" cy="0"/>
+        </a:xfrm>
+      </p:grpSpPr>
+      <p:sp>
+        <p:nvSpPr>
+          <p:cNvPr id="2" name="Titel 1"/>
+          <p:cNvSpPr>
+            <a:spLocks noGrp="1"/>
+          </p:cNvSpPr>
+          <p:nvPr>
+            <p:ph type="title"/>
+          </p:nvPr>
+        </p:nvSpPr>
+        <p:spPr/>
+        <p:txBody>
+          <a:bodyPr/>
+          <a:lstStyle/>
+          <a:p>
+            <a:r>
+              <a:rPr lang="de-DE" dirty="0"/>
+              <a:t>Oberfläche und Parameter</a:t>
+            </a:r>
+            <a:endParaRPr lang="en-GB" dirty="0"/>
+          </a:p>
+        </p:txBody>
+      </p:sp>
+      <p:sp>
+        <p:nvSpPr>
+          <p:cNvPr id="3" name="Textplatzhalter 2"/>
+          <p:cNvSpPr>
+            <a:spLocks noGrp="1"/>
+          </p:cNvSpPr>
+          <p:nvPr>
+            <p:ph type="body" idx="1"/>
+          </p:nvPr>
+        </p:nvSpPr>
+        <p:spPr/>
+        <p:txBody>
+          <a:bodyPr/>
+          <a:lstStyle/>
+          <a:p>
+            <a:endParaRPr lang="en-GB" dirty="0"/>
+          </a:p>
+        </p:txBody>
+      </p:sp>
+      <p:pic>
+        <p:nvPicPr>
+          <p:cNvPr id="4" name="Grafik 3"/>
+          <p:cNvPicPr>
+            <a:picLocks noChangeAspect="1"/>
+          </p:cNvPicPr>
+          <p:nvPr/>
+        </p:nvPicPr>
+        <p:blipFill>
+          <a:blip r:embed="rId2">
+            <a:extLst>
+              <a:ext uri="{28A0092B-C50C-407E-A947-70E740481C1C}">
+                <a14:useLocalDpi xmlns:a14="http://schemas.microsoft.com/office/drawing/2010/main" val="0"/>
+              </a:ext>
+            </a:extLst>
+          </a:blip>
+          <a:stretch>
+            <a:fillRect/>
+          </a:stretch>
+        </p:blipFill>
+        <p:spPr>
+          <a:xfrm>
+            <a:off x="470256" y="1733409"/>
+            <a:ext cx="8261143" cy="4647919"/>
+          </a:xfrm>
+          <a:prstGeom prst="rect">
+            <a:avLst/>
+          </a:prstGeom>
+        </p:spPr>
+      </p:pic>
+      <p:sp>
+        <p:nvSpPr>
+          <p:cNvPr id="5" name="Rechteck 4"/>
+          <p:cNvSpPr/>
+          <p:nvPr/>
+        </p:nvSpPr>
+        <p:spPr>
+          <a:xfrm>
+            <a:off x="683568" y="3488308"/>
+            <a:ext cx="792088" cy="216024"/>
+          </a:xfrm>
+          <a:prstGeom prst="rect">
+            <a:avLst/>
+          </a:prstGeom>
+          <a:noFill/>
+          <a:ln>
+            <a:solidFill>
+              <a:srgbClr val="FF0000"/>
+            </a:solidFill>
+          </a:ln>
+        </p:spPr>
+        <p:style>
+          <a:lnRef idx="2">
+            <a:schemeClr val="accent2"/>
+          </a:lnRef>
+          <a:fillRef idx="1">
+            <a:schemeClr val="lt1"/>
+          </a:fillRef>
+          <a:effectRef idx="0">
+            <a:schemeClr val="accent2"/>
+          </a:effectRef>
+          <a:fontRef idx="minor">
+            <a:schemeClr val="dk1"/>
+          </a:fontRef>
+        </p:style>
+        <p:txBody>
+          <a:bodyPr rtlCol="0" anchor="ctr"/>
+          <a:lstStyle/>
+          <a:p>
+            <a:pPr algn="ctr"/>
+            <a:endParaRPr lang="en-GB"/>
+          </a:p>
+        </p:txBody>
+      </p:sp>
+      <p:sp>
+        <p:nvSpPr>
+          <p:cNvPr id="6" name="Rechteck 5"/>
+          <p:cNvSpPr/>
+          <p:nvPr/>
+        </p:nvSpPr>
+        <p:spPr>
+          <a:xfrm>
+            <a:off x="1547664" y="3488308"/>
+            <a:ext cx="792088" cy="216024"/>
+          </a:xfrm>
+          <a:prstGeom prst="rect">
+            <a:avLst/>
+          </a:prstGeom>
+          <a:noFill/>
+          <a:ln>
+            <a:solidFill>
+              <a:srgbClr val="FF0000"/>
+            </a:solidFill>
+          </a:ln>
+        </p:spPr>
+        <p:style>
+          <a:lnRef idx="2">
+            <a:schemeClr val="accent2"/>
+          </a:lnRef>
+          <a:fillRef idx="1">
+            <a:schemeClr val="lt1"/>
+          </a:fillRef>
+          <a:effectRef idx="0">
+            <a:schemeClr val="accent2"/>
+          </a:effectRef>
+          <a:fontRef idx="minor">
+            <a:schemeClr val="dk1"/>
+          </a:fontRef>
+        </p:style>
+        <p:txBody>
+          <a:bodyPr rtlCol="0" anchor="ctr"/>
+          <a:lstStyle/>
+          <a:p>
+            <a:pPr algn="ctr"/>
+            <a:endParaRPr lang="en-GB"/>
+          </a:p>
+        </p:txBody>
+      </p:sp>
+      <p:sp>
+        <p:nvSpPr>
+          <p:cNvPr id="7" name="Rechteck 6"/>
+          <p:cNvSpPr/>
+          <p:nvPr/>
+        </p:nvSpPr>
+        <p:spPr>
+          <a:xfrm>
+            <a:off x="2411760" y="3488308"/>
+            <a:ext cx="792088" cy="216024"/>
+          </a:xfrm>
+          <a:prstGeom prst="rect">
+            <a:avLst/>
+          </a:prstGeom>
+          <a:noFill/>
+          <a:ln>
+            <a:solidFill>
+              <a:srgbClr val="FF0000"/>
+            </a:solidFill>
+          </a:ln>
+        </p:spPr>
+        <p:style>
+          <a:lnRef idx="2">
+            <a:schemeClr val="accent2"/>
+          </a:lnRef>
+          <a:fillRef idx="1">
+            <a:schemeClr val="lt1"/>
+          </a:fillRef>
+          <a:effectRef idx="0">
+            <a:schemeClr val="accent2"/>
+          </a:effectRef>
+          <a:fontRef idx="minor">
+            <a:schemeClr val="dk1"/>
+          </a:fontRef>
+        </p:style>
+        <p:txBody>
+          <a:bodyPr rtlCol="0" anchor="ctr"/>
+          <a:lstStyle/>
+          <a:p>
+            <a:pPr algn="ctr"/>
+            <a:endParaRPr lang="en-GB"/>
+          </a:p>
+        </p:txBody>
+      </p:sp>
+    </p:spTree>
+    <p:extLst>
+      <p:ext uri="{BB962C8B-B14F-4D97-AF65-F5344CB8AC3E}">
+        <p14:creationId xmlns:p14="http://schemas.microsoft.com/office/powerpoint/2010/main" val="3292228346"/>
+      </p:ext>
+    </p:extLst>
+  </p:cSld>
+  <p:clrMapOvr>
+    <a:masterClrMapping/>
+  </p:clrMapOvr>
+  <p:timing>
+    <p:tnLst>
+      <p:par>
+        <p:cTn id="1" dur="indefinite" restart="never" nodeType="tmRoot"/>
+      </p:par>
+    </p:tnLst>
+  </p:timing>
+</p:sld>
+</file>
+
+<file path=ppt/slides/slide16.xml><?xml version="1.0" encoding="utf-8"?>
+<p:sld xmlns:a="http://schemas.openxmlformats.org/drawingml/2006/main" xmlns:r="http://schemas.openxmlformats.org/officeDocument/2006/relationships" xmlns:p="http://schemas.openxmlformats.org/presentationml/2006/main">
+  <p:cSld>
+    <p:spTree>
+      <p:nvGrpSpPr>
+        <p:cNvPr id="1" name=""/>
+        <p:cNvGrpSpPr/>
+        <p:nvPr/>
+      </p:nvGrpSpPr>
+      <p:grpSpPr>
+        <a:xfrm>
+          <a:off x="0" y="0"/>
+          <a:ext cx="0" cy="0"/>
+          <a:chOff x="0" y="0"/>
+          <a:chExt cx="0" cy="0"/>
+        </a:xfrm>
+      </p:grpSpPr>
+      <p:sp>
+        <p:nvSpPr>
+          <p:cNvPr id="2" name="Titel 1"/>
+          <p:cNvSpPr>
+            <a:spLocks noGrp="1"/>
+          </p:cNvSpPr>
+          <p:nvPr>
+            <p:ph type="title"/>
+          </p:nvPr>
+        </p:nvSpPr>
+        <p:spPr/>
+        <p:txBody>
+          <a:bodyPr/>
+          <a:lstStyle/>
+          <a:p>
+            <a:r>
+              <a:rPr lang="de-DE" dirty="0" smtClean="0"/>
+              <a:t>Mutationsverlauf und -rate</a:t>
+            </a:r>
+            <a:endParaRPr lang="en-GB" dirty="0"/>
+          </a:p>
+        </p:txBody>
+      </p:sp>
+      <p:sp>
+        <p:nvSpPr>
+          <p:cNvPr id="3" name="Textplatzhalter 2"/>
+          <p:cNvSpPr>
+            <a:spLocks noGrp="1"/>
+          </p:cNvSpPr>
+          <p:nvPr>
+            <p:ph type="body" idx="1"/>
+          </p:nvPr>
+        </p:nvSpPr>
+        <p:spPr/>
+        <p:txBody>
+          <a:bodyPr/>
+          <a:lstStyle/>
+          <a:p>
+            <a:r>
+              <a:rPr lang="de-DE" sz="2400" dirty="0" smtClean="0"/>
+              <a:t>3 Arten des Verlaufes implementiert: </a:t>
+            </a:r>
+            <a:endParaRPr lang="en-GB" sz="2400" dirty="0" smtClean="0"/>
+          </a:p>
+          <a:p>
+            <a:pPr lvl="1"/>
+            <a:r>
+              <a:rPr lang="de-DE" sz="1800" dirty="0" smtClean="0"/>
+              <a:t>Konstant</a:t>
+            </a:r>
+          </a:p>
+          <a:p>
+            <a:pPr lvl="1"/>
+            <a:r>
+              <a:rPr lang="de-DE" sz="1800" dirty="0" smtClean="0"/>
+              <a:t>Linear</a:t>
+            </a:r>
+          </a:p>
+          <a:p>
+            <a:pPr lvl="1"/>
+            <a:r>
+              <a:rPr lang="de-DE" sz="1800" dirty="0" smtClean="0"/>
+              <a:t>Exponentiell</a:t>
+            </a:r>
+          </a:p>
+          <a:p>
+            <a:r>
+              <a:rPr lang="de-DE" sz="2400" dirty="0" smtClean="0"/>
+              <a:t>Untersucht wurden: </a:t>
+            </a:r>
+          </a:p>
+          <a:p>
+            <a:pPr lvl="1"/>
+            <a:r>
+              <a:rPr lang="de-DE" sz="1800" dirty="0" smtClean="0"/>
+              <a:t>Konstant: 0% und 50%</a:t>
+            </a:r>
+          </a:p>
+          <a:p>
+            <a:pPr lvl="1"/>
+            <a:r>
+              <a:rPr lang="de-DE" sz="1800" dirty="0" smtClean="0"/>
+              <a:t>Linear: von 10% auf 90% über 50 Generationen</a:t>
+            </a:r>
+          </a:p>
+          <a:p>
+            <a:pPr lvl="1"/>
+            <a:r>
+              <a:rPr lang="de-DE" sz="1800" dirty="0" smtClean="0"/>
+              <a:t>Exponentiell: </a:t>
+            </a:r>
+            <a:r>
+              <a:rPr lang="de-DE" sz="1800" dirty="0"/>
+              <a:t>von 10% auf 90</a:t>
+            </a:r>
+            <a:r>
+              <a:rPr lang="de-DE" sz="1800" dirty="0" smtClean="0"/>
+              <a:t>%</a:t>
+            </a:r>
+            <a:r>
+              <a:rPr lang="de-DE" sz="1800" dirty="0"/>
+              <a:t> über 50 </a:t>
+            </a:r>
+            <a:r>
+              <a:rPr lang="de-DE" sz="1800" dirty="0" smtClean="0"/>
+              <a:t>Generationen</a:t>
+            </a:r>
+          </a:p>
+          <a:p>
+            <a:r>
+              <a:rPr lang="de-DE" sz="2400" dirty="0" smtClean="0"/>
+              <a:t>Tests ergaben: </a:t>
+            </a:r>
+          </a:p>
+          <a:p>
+            <a:pPr lvl="1"/>
+            <a:r>
+              <a:rPr lang="de-DE" sz="1800" dirty="0" smtClean="0"/>
+              <a:t>Linear und Exponentiell lieferten generell bessere Optima</a:t>
+            </a:r>
+          </a:p>
+          <a:p>
+            <a:pPr lvl="1"/>
+            <a:r>
+              <a:rPr lang="de-DE" sz="1800" dirty="0" smtClean="0"/>
+              <a:t>Auffällig: </a:t>
+            </a:r>
+          </a:p>
+          <a:p>
+            <a:pPr lvl="2"/>
+            <a:r>
+              <a:rPr lang="de-DE" sz="1800" dirty="0"/>
+              <a:t>L</a:t>
+            </a:r>
+            <a:r>
+              <a:rPr lang="de-DE" sz="1800" dirty="0" smtClean="0"/>
+              <a:t>inear besser bei deterministischer Plus Selektion</a:t>
+            </a:r>
+          </a:p>
+          <a:p>
+            <a:pPr lvl="2"/>
+            <a:r>
+              <a:rPr lang="de-DE" sz="1800" dirty="0"/>
+              <a:t>Exponentiell </a:t>
+            </a:r>
+            <a:r>
+              <a:rPr lang="de-DE" sz="1800" dirty="0" smtClean="0"/>
+              <a:t>besser </a:t>
+            </a:r>
+            <a:r>
+              <a:rPr lang="de-DE" sz="1800" dirty="0"/>
+              <a:t>bei deterministischer </a:t>
+            </a:r>
+            <a:r>
+              <a:rPr lang="de-DE" sz="1800" dirty="0" smtClean="0"/>
+              <a:t>Komma-Selektion</a:t>
+            </a:r>
+          </a:p>
+        </p:txBody>
+      </p:sp>
+    </p:spTree>
+    <p:extLst>
+      <p:ext uri="{BB962C8B-B14F-4D97-AF65-F5344CB8AC3E}">
+        <p14:creationId xmlns:p14="http://schemas.microsoft.com/office/powerpoint/2010/main" val="69219423"/>
+      </p:ext>
+    </p:extLst>
+  </p:cSld>
+  <p:clrMapOvr>
+    <a:masterClrMapping/>
+  </p:clrMapOvr>
+  <p:timing>
+    <p:tnLst>
+      <p:par>
+        <p:cTn id="1" dur="indefinite" restart="never" nodeType="tmRoot"/>
+      </p:par>
+    </p:tnLst>
+  </p:timing>
+</p:sld>
+</file>
+
+<file path=ppt/slides/slide17.xml><?xml version="1.0" encoding="utf-8"?>
+<p:sld xmlns:a="http://schemas.openxmlformats.org/drawingml/2006/main" xmlns:r="http://schemas.openxmlformats.org/officeDocument/2006/relationships" xmlns:p="http://schemas.openxmlformats.org/presentationml/2006/main">
+  <p:cSld>
+    <p:spTree>
+      <p:nvGrpSpPr>
+        <p:cNvPr id="1" name=""/>
+        <p:cNvGrpSpPr/>
+        <p:nvPr/>
+      </p:nvGrpSpPr>
+      <p:grpSpPr>
+        <a:xfrm>
+          <a:off x="0" y="0"/>
+          <a:ext cx="0" cy="0"/>
+          <a:chOff x="0" y="0"/>
+          <a:chExt cx="0" cy="0"/>
+        </a:xfrm>
+      </p:grpSpPr>
+      <p:sp>
+        <p:nvSpPr>
+          <p:cNvPr id="2" name="Titel 1"/>
+          <p:cNvSpPr>
+            <a:spLocks noGrp="1"/>
+          </p:cNvSpPr>
+          <p:nvPr>
+            <p:ph type="title"/>
+          </p:nvPr>
+        </p:nvSpPr>
+        <p:spPr/>
+        <p:txBody>
+          <a:bodyPr/>
+          <a:lstStyle/>
+          <a:p>
+            <a:r>
+              <a:rPr lang="de-DE" dirty="0"/>
+              <a:t>Oberfläche und Parameter</a:t>
+            </a:r>
+            <a:endParaRPr lang="en-GB" dirty="0"/>
+          </a:p>
+        </p:txBody>
+      </p:sp>
+      <p:sp>
+        <p:nvSpPr>
+          <p:cNvPr id="3" name="Textplatzhalter 2"/>
+          <p:cNvSpPr>
+            <a:spLocks noGrp="1"/>
+          </p:cNvSpPr>
+          <p:nvPr>
+            <p:ph type="body" idx="1"/>
+          </p:nvPr>
+        </p:nvSpPr>
+        <p:spPr/>
+        <p:txBody>
+          <a:bodyPr/>
+          <a:lstStyle/>
+          <a:p>
+            <a:endParaRPr lang="en-GB" dirty="0"/>
+          </a:p>
+        </p:txBody>
+      </p:sp>
+      <p:pic>
+        <p:nvPicPr>
+          <p:cNvPr id="4" name="Grafik 3"/>
+          <p:cNvPicPr>
+            <a:picLocks noChangeAspect="1"/>
+          </p:cNvPicPr>
+          <p:nvPr/>
+        </p:nvPicPr>
+        <p:blipFill>
+          <a:blip r:embed="rId2">
+            <a:extLst>
+              <a:ext uri="{28A0092B-C50C-407E-A947-70E740481C1C}">
+                <a14:useLocalDpi xmlns:a14="http://schemas.microsoft.com/office/drawing/2010/main" val="0"/>
+              </a:ext>
+            </a:extLst>
+          </a:blip>
+          <a:stretch>
+            <a:fillRect/>
+          </a:stretch>
+        </p:blipFill>
+        <p:spPr>
+          <a:xfrm>
+            <a:off x="470256" y="1733409"/>
+            <a:ext cx="8261143" cy="4647919"/>
+          </a:xfrm>
+          <a:prstGeom prst="rect">
+            <a:avLst/>
+          </a:prstGeom>
+        </p:spPr>
+      </p:pic>
+      <p:sp>
+        <p:nvSpPr>
+          <p:cNvPr id="5" name="Rechteck 4"/>
+          <p:cNvSpPr/>
+          <p:nvPr/>
+        </p:nvSpPr>
+        <p:spPr>
+          <a:xfrm>
+            <a:off x="3275856" y="3488308"/>
+            <a:ext cx="1008112" cy="216024"/>
+          </a:xfrm>
+          <a:prstGeom prst="rect">
+            <a:avLst/>
+          </a:prstGeom>
+          <a:noFill/>
+          <a:ln>
+            <a:solidFill>
+              <a:srgbClr val="FF0000"/>
+            </a:solidFill>
+          </a:ln>
+        </p:spPr>
+        <p:style>
+          <a:lnRef idx="2">
+            <a:schemeClr val="accent2"/>
+          </a:lnRef>
+          <a:fillRef idx="1">
+            <a:schemeClr val="lt1"/>
+          </a:fillRef>
+          <a:effectRef idx="0">
+            <a:schemeClr val="accent2"/>
+          </a:effectRef>
+          <a:fontRef idx="minor">
+            <a:schemeClr val="dk1"/>
+          </a:fontRef>
+        </p:style>
+        <p:txBody>
+          <a:bodyPr rtlCol="0" anchor="ctr"/>
+          <a:lstStyle/>
+          <a:p>
+            <a:pPr algn="ctr"/>
+            <a:endParaRPr lang="en-GB"/>
+          </a:p>
+        </p:txBody>
+      </p:sp>
+    </p:spTree>
+    <p:extLst>
+      <p:ext uri="{BB962C8B-B14F-4D97-AF65-F5344CB8AC3E}">
+        <p14:creationId xmlns:p14="http://schemas.microsoft.com/office/powerpoint/2010/main" val="3108427752"/>
+      </p:ext>
+    </p:extLst>
+  </p:cSld>
+  <p:clrMapOvr>
+    <a:masterClrMapping/>
+  </p:clrMapOvr>
+  <p:timing>
+    <p:tnLst>
+      <p:par>
+        <p:cTn id="1" dur="indefinite" restart="never" nodeType="tmRoot"/>
+      </p:par>
+    </p:tnLst>
+  </p:timing>
+</p:sld>
+</file>
+
+<file path=ppt/slides/slide18.xml><?xml version="1.0" encoding="utf-8"?>
+<p:sld xmlns:a="http://schemas.openxmlformats.org/drawingml/2006/main" xmlns:r="http://schemas.openxmlformats.org/officeDocument/2006/relationships" xmlns:p="http://schemas.openxmlformats.org/presentationml/2006/main">
+  <p:cSld>
+    <p:spTree>
+      <p:nvGrpSpPr>
+        <p:cNvPr id="1" name=""/>
+        <p:cNvGrpSpPr/>
+        <p:nvPr/>
+      </p:nvGrpSpPr>
+      <p:grpSpPr>
+        <a:xfrm>
+          <a:off x="0" y="0"/>
+          <a:ext cx="0" cy="0"/>
+          <a:chOff x="0" y="0"/>
+          <a:chExt cx="0" cy="0"/>
+        </a:xfrm>
+      </p:grpSpPr>
+      <p:sp>
+        <p:nvSpPr>
+          <p:cNvPr id="2" name="Titel 1"/>
+          <p:cNvSpPr>
+            <a:spLocks noGrp="1"/>
+          </p:cNvSpPr>
+          <p:nvPr>
+            <p:ph type="title"/>
+          </p:nvPr>
+        </p:nvSpPr>
+        <p:spPr/>
+        <p:txBody>
+          <a:bodyPr/>
+          <a:lstStyle/>
+          <a:p>
+            <a:r>
+              <a:rPr lang="de-DE" dirty="0" smtClean="0"/>
+              <a:t>Rekombinationspunkte</a:t>
+            </a:r>
+            <a:endParaRPr lang="en-GB" dirty="0"/>
+          </a:p>
+        </p:txBody>
+      </p:sp>
+      <mc:AlternateContent xmlns:mc="http://schemas.openxmlformats.org/markup-compatibility/2006">
+        <mc:Choice xmlns:a14="http://schemas.microsoft.com/office/drawing/2010/main" Requires="a14">
+          <p:sp>
+            <p:nvSpPr>
+              <p:cNvPr id="3" name="Textplatzhalter 2"/>
+              <p:cNvSpPr>
+                <a:spLocks noGrp="1"/>
+              </p:cNvSpPr>
+              <p:nvPr>
+                <p:ph type="body" idx="1"/>
+              </p:nvPr>
+            </p:nvSpPr>
+            <p:spPr/>
+            <p:txBody>
+              <a:bodyPr/>
+              <a:lstStyle/>
+              <a:p>
+                <a:r>
+                  <a:rPr lang="de-DE" dirty="0" smtClean="0"/>
+                  <a:t>Individuell einstellbar zwischen </a:t>
+                </a:r>
+                <a14:m>
+                  <m:oMath xmlns:m="http://schemas.openxmlformats.org/officeDocument/2006/math">
+                    <m:r>
+                      <a:rPr lang="de-DE" i="1" dirty="0" smtClean="0">
+                        <a:latin typeface="Cambria Math"/>
+                      </a:rPr>
+                      <m:t>0</m:t>
+                    </m:r>
+                  </m:oMath>
+                </a14:m>
+                <a:r>
+                  <a:rPr lang="de-DE" dirty="0" smtClean="0"/>
+                  <a:t> und </a:t>
+                </a:r>
+                <a14:m>
+                  <m:oMath xmlns:m="http://schemas.openxmlformats.org/officeDocument/2006/math">
+                    <m:r>
+                      <a:rPr lang="de-DE" i="1" dirty="0" smtClean="0">
+                        <a:latin typeface="Cambria Math"/>
+                      </a:rPr>
+                      <m:t>𝑥</m:t>
+                    </m:r>
+                    <m:r>
+                      <a:rPr lang="de-DE" i="1" dirty="0" smtClean="0">
+                        <a:latin typeface="Cambria Math"/>
+                      </a:rPr>
+                      <m:t> =</m:t>
+                    </m:r>
+                    <m:r>
+                      <a:rPr lang="de-DE" b="0" i="1" dirty="0" smtClean="0">
+                        <a:latin typeface="Cambria Math"/>
+                      </a:rPr>
+                      <m:t>𝑔𝑒𝑛𝑒</m:t>
+                    </m:r>
+                    <m:r>
+                      <a:rPr lang="de-DE" b="0" i="1" dirty="0" smtClean="0">
+                        <a:latin typeface="Cambria Math"/>
+                      </a:rPr>
+                      <m:t>∗</m:t>
+                    </m:r>
+                    <m:r>
+                      <a:rPr lang="de-DE" b="0" i="1" dirty="0" smtClean="0">
+                        <a:latin typeface="Cambria Math"/>
+                      </a:rPr>
+                      <m:t>𝑏𝑖𝑛</m:t>
+                    </m:r>
+                    <m:r>
+                      <a:rPr lang="de-DE" b="0" i="1" dirty="0" smtClean="0">
+                        <a:latin typeface="Cambria Math"/>
+                      </a:rPr>
+                      <m:t>ä</m:t>
+                    </m:r>
+                    <m:r>
+                      <a:rPr lang="de-DE" b="0" i="1" dirty="0" smtClean="0">
+                        <a:latin typeface="Cambria Math"/>
+                      </a:rPr>
+                      <m:t>𝑟𝑠𝑡𝑟𝑖𝑛𝑔𝑙</m:t>
+                    </m:r>
+                    <m:r>
+                      <a:rPr lang="de-DE" b="0" i="1" dirty="0" smtClean="0">
+                        <a:latin typeface="Cambria Math"/>
+                      </a:rPr>
+                      <m:t>ä</m:t>
+                    </m:r>
+                    <m:r>
+                      <a:rPr lang="de-DE" b="0" i="1" dirty="0" smtClean="0">
+                        <a:latin typeface="Cambria Math"/>
+                      </a:rPr>
+                      <m:t>𝑛𝑔𝑒</m:t>
+                    </m:r>
+                    <m:r>
+                      <a:rPr lang="de-DE" i="1" dirty="0" smtClean="0">
+                        <a:latin typeface="Cambria Math"/>
+                      </a:rPr>
+                      <m:t> </m:t>
+                    </m:r>
+                  </m:oMath>
+                </a14:m>
+                <a:endParaRPr lang="en-GB" dirty="0" smtClean="0"/>
+              </a:p>
+              <a:p>
+                <a:r>
+                  <a:rPr lang="de-DE" dirty="0" smtClean="0"/>
+                  <a:t>Untersucht wurden:</a:t>
+                </a:r>
+              </a:p>
+              <a:p>
+                <a:pPr lvl="1"/>
+                <a:r>
+                  <a:rPr lang="de-DE" dirty="0" smtClean="0"/>
+                  <a:t>4-Punkt-Rekombination vs. 10-Punkt-Rekombination</a:t>
+                </a:r>
+                <a:endParaRPr lang="en-GB" dirty="0" smtClean="0"/>
+              </a:p>
+              <a:p>
+                <a:r>
+                  <a:rPr lang="de-DE" dirty="0" smtClean="0"/>
+                  <a:t>Tests ergaben:</a:t>
+                </a:r>
+              </a:p>
+              <a:p>
+                <a:pPr lvl="1"/>
+                <a:r>
+                  <a:rPr lang="de-DE" dirty="0" smtClean="0"/>
+                  <a:t>Beide Verfahren annähernd gleich schnell</a:t>
+                </a:r>
+              </a:p>
+              <a:p>
+                <a:pPr lvl="1"/>
+                <a:r>
+                  <a:rPr lang="de-DE" dirty="0" smtClean="0"/>
+                  <a:t>Jedoch leichte Fluktuationen bezüglich der Verwendung mit Plus-bzw. Komma-Selektion</a:t>
+                </a:r>
+              </a:p>
+            </p:txBody>
+          </p:sp>
+        </mc:Choice>
+        <mc:Fallback>
+          <p:sp>
+            <p:nvSpPr>
+              <p:cNvPr id="3" name="Textplatzhalter 2"/>
+              <p:cNvSpPr>
+                <a:spLocks noGrp="1" noRot="1" noChangeAspect="1" noMove="1" noResize="1" noEditPoints="1" noAdjustHandles="1" noChangeArrowheads="1" noChangeShapeType="1" noTextEdit="1"/>
+              </p:cNvSpPr>
+              <p:nvPr>
+                <p:ph type="body" idx="1"/>
+              </p:nvPr>
+            </p:nvSpPr>
+            <p:spPr>
+              <a:blipFill rotWithShape="1">
+                <a:blip r:embed="rId2"/>
+                <a:stretch>
+                  <a:fillRect l="-3259" t="-5897" r="-741"/>
+                </a:stretch>
+              </a:blipFill>
+            </p:spPr>
+            <p:txBody>
+              <a:bodyPr/>
+              <a:lstStyle/>
+              <a:p>
+                <a:r>
+                  <a:rPr lang="en-GB">
+                    <a:noFill/>
+                  </a:rPr>
+                  <a:t> </a:t>
+                </a:r>
+              </a:p>
+            </p:txBody>
+          </p:sp>
+        </mc:Fallback>
+      </mc:AlternateContent>
+    </p:spTree>
+    <p:extLst>
+      <p:ext uri="{BB962C8B-B14F-4D97-AF65-F5344CB8AC3E}">
+        <p14:creationId xmlns:p14="http://schemas.microsoft.com/office/powerpoint/2010/main" val="2460084456"/>
+      </p:ext>
+    </p:extLst>
+  </p:cSld>
+  <p:clrMapOvr>
+    <a:masterClrMapping/>
+  </p:clrMapOvr>
+  <p:timing>
+    <p:tnLst>
+      <p:par>
+        <p:cTn id="1" dur="indefinite" restart="never" nodeType="tmRoot"/>
+      </p:par>
+    </p:tnLst>
+  </p:timing>
+</p:sld>
+</file>
+
+<file path=ppt/slides/slide19.xml><?xml version="1.0" encoding="utf-8"?>
+<p:sld xmlns:a="http://schemas.openxmlformats.org/drawingml/2006/main" xmlns:r="http://schemas.openxmlformats.org/officeDocument/2006/relationships" xmlns:p="http://schemas.openxmlformats.org/presentationml/2006/main">
+  <p:cSld>
+    <p:spTree>
+      <p:nvGrpSpPr>
+        <p:cNvPr id="1" name=""/>
+        <p:cNvGrpSpPr/>
+        <p:nvPr/>
+      </p:nvGrpSpPr>
+      <p:grpSpPr>
+        <a:xfrm>
+          <a:off x="0" y="0"/>
+          <a:ext cx="0" cy="0"/>
+          <a:chOff x="0" y="0"/>
+          <a:chExt cx="0" cy="0"/>
+        </a:xfrm>
+      </p:grpSpPr>
+      <p:sp>
+        <p:nvSpPr>
+          <p:cNvPr id="2" name="Titel 1"/>
+          <p:cNvSpPr>
+            <a:spLocks noGrp="1"/>
+          </p:cNvSpPr>
+          <p:nvPr>
+            <p:ph type="title"/>
+          </p:nvPr>
+        </p:nvSpPr>
+        <p:spPr/>
+        <p:txBody>
+          <a:bodyPr/>
+          <a:lstStyle/>
+          <a:p>
+            <a:r>
+              <a:rPr lang="de-DE" dirty="0"/>
+              <a:t>Oberfläche und Parameter</a:t>
+            </a:r>
+            <a:endParaRPr lang="en-GB" dirty="0"/>
+          </a:p>
+        </p:txBody>
+      </p:sp>
+      <p:sp>
+        <p:nvSpPr>
+          <p:cNvPr id="3" name="Textplatzhalter 2"/>
+          <p:cNvSpPr>
+            <a:spLocks noGrp="1"/>
+          </p:cNvSpPr>
+          <p:nvPr>
+            <p:ph type="body" idx="1"/>
+          </p:nvPr>
+        </p:nvSpPr>
+        <p:spPr/>
+        <p:txBody>
+          <a:bodyPr/>
+          <a:lstStyle/>
+          <a:p>
+            <a:endParaRPr lang="en-GB" dirty="0"/>
+          </a:p>
+        </p:txBody>
+      </p:sp>
+      <p:pic>
+        <p:nvPicPr>
+          <p:cNvPr id="4" name="Grafik 3"/>
+          <p:cNvPicPr>
+            <a:picLocks noChangeAspect="1"/>
+          </p:cNvPicPr>
+          <p:nvPr/>
+        </p:nvPicPr>
+        <p:blipFill>
+          <a:blip r:embed="rId2">
+            <a:extLst>
+              <a:ext uri="{28A0092B-C50C-407E-A947-70E740481C1C}">
+                <a14:useLocalDpi xmlns:a14="http://schemas.microsoft.com/office/drawing/2010/main" val="0"/>
+              </a:ext>
+            </a:extLst>
+          </a:blip>
+          <a:stretch>
+            <a:fillRect/>
+          </a:stretch>
+        </p:blipFill>
+        <p:spPr>
+          <a:xfrm>
+            <a:off x="470256" y="1733409"/>
+            <a:ext cx="8261143" cy="4647919"/>
+          </a:xfrm>
+          <a:prstGeom prst="rect">
+            <a:avLst/>
+          </a:prstGeom>
+        </p:spPr>
+      </p:pic>
+      <p:sp>
+        <p:nvSpPr>
+          <p:cNvPr id="5" name="Rechteck 4"/>
+          <p:cNvSpPr/>
+          <p:nvPr/>
+        </p:nvSpPr>
+        <p:spPr>
+          <a:xfrm>
+            <a:off x="4283968" y="3490466"/>
+            <a:ext cx="864096" cy="216024"/>
+          </a:xfrm>
+          <a:prstGeom prst="rect">
+            <a:avLst/>
+          </a:prstGeom>
+          <a:noFill/>
+          <a:ln>
+            <a:solidFill>
+              <a:srgbClr val="FF0000"/>
+            </a:solidFill>
+          </a:ln>
+        </p:spPr>
+        <p:style>
+          <a:lnRef idx="2">
+            <a:schemeClr val="accent2"/>
+          </a:lnRef>
+          <a:fillRef idx="1">
+            <a:schemeClr val="lt1"/>
+          </a:fillRef>
+          <a:effectRef idx="0">
+            <a:schemeClr val="accent2"/>
+          </a:effectRef>
+          <a:fontRef idx="minor">
+            <a:schemeClr val="dk1"/>
+          </a:fontRef>
+        </p:style>
+        <p:txBody>
+          <a:bodyPr rtlCol="0" anchor="ctr"/>
+          <a:lstStyle/>
+          <a:p>
+            <a:pPr algn="ctr"/>
+            <a:endParaRPr lang="en-GB"/>
+          </a:p>
+        </p:txBody>
+      </p:sp>
+    </p:spTree>
+    <p:extLst>
+      <p:ext uri="{BB962C8B-B14F-4D97-AF65-F5344CB8AC3E}">
+        <p14:creationId xmlns:p14="http://schemas.microsoft.com/office/powerpoint/2010/main" val="715788753"/>
+      </p:ext>
+    </p:extLst>
+  </p:cSld>
+  <p:clrMapOvr>
+    <a:masterClrMapping/>
+  </p:clrMapOvr>
+  <p:timing>
+    <p:tnLst>
+      <p:par>
+        <p:cTn id="1" dur="indefinite" restart="never" nodeType="tmRoot"/>
+      </p:par>
+    </p:tnLst>
+  </p:timing>
+</p:sld>
+</file>
+
 <file path=ppt/slides/slide2.xml><?xml version="1.0" encoding="utf-8"?>
 <p:sld xmlns:a="http://schemas.openxmlformats.org/drawingml/2006/main" xmlns:r="http://schemas.openxmlformats.org/officeDocument/2006/relationships" xmlns:p="http://schemas.openxmlformats.org/presentationml/2006/main">
   <p:cSld>
@@ -7175,7 +9788,1362 @@
 </p:sld>
 </file>
 
-<file path=ppt/slides/slide3.xml><?xml version="1.0" encoding="utf-8"?>
+<file path=ppt/slides/slide20.xml><?xml version="1.0" encoding="utf-8"?>
+<p:sld xmlns:a="http://schemas.openxmlformats.org/drawingml/2006/main" xmlns:r="http://schemas.openxmlformats.org/officeDocument/2006/relationships" xmlns:p="http://schemas.openxmlformats.org/presentationml/2006/main">
+  <p:cSld>
+    <p:spTree>
+      <p:nvGrpSpPr>
+        <p:cNvPr id="1" name=""/>
+        <p:cNvGrpSpPr/>
+        <p:nvPr/>
+      </p:nvGrpSpPr>
+      <p:grpSpPr>
+        <a:xfrm>
+          <a:off x="0" y="0"/>
+          <a:ext cx="0" cy="0"/>
+          <a:chOff x="0" y="0"/>
+          <a:chExt cx="0" cy="0"/>
+        </a:xfrm>
+      </p:grpSpPr>
+      <p:sp>
+        <p:nvSpPr>
+          <p:cNvPr id="2" name="Titel 1"/>
+          <p:cNvSpPr>
+            <a:spLocks noGrp="1"/>
+          </p:cNvSpPr>
+          <p:nvPr>
+            <p:ph type="title"/>
+          </p:nvPr>
+        </p:nvSpPr>
+        <p:spPr/>
+        <p:txBody>
+          <a:bodyPr/>
+          <a:lstStyle/>
+          <a:p>
+            <a:r>
+              <a:rPr lang="de-DE" dirty="0"/>
+              <a:t>Oberfläche und Parameter</a:t>
+            </a:r>
+            <a:endParaRPr lang="en-GB" dirty="0"/>
+          </a:p>
+        </p:txBody>
+      </p:sp>
+      <p:sp>
+        <p:nvSpPr>
+          <p:cNvPr id="3" name="Textplatzhalter 2"/>
+          <p:cNvSpPr>
+            <a:spLocks noGrp="1"/>
+          </p:cNvSpPr>
+          <p:nvPr>
+            <p:ph type="body" idx="1"/>
+          </p:nvPr>
+        </p:nvSpPr>
+        <p:spPr/>
+        <p:txBody>
+          <a:bodyPr/>
+          <a:lstStyle/>
+          <a:p>
+            <a:endParaRPr lang="en-GB" dirty="0"/>
+          </a:p>
+        </p:txBody>
+      </p:sp>
+      <p:pic>
+        <p:nvPicPr>
+          <p:cNvPr id="4" name="Grafik 3"/>
+          <p:cNvPicPr>
+            <a:picLocks noChangeAspect="1"/>
+          </p:cNvPicPr>
+          <p:nvPr/>
+        </p:nvPicPr>
+        <p:blipFill>
+          <a:blip r:embed="rId2">
+            <a:extLst>
+              <a:ext uri="{28A0092B-C50C-407E-A947-70E740481C1C}">
+                <a14:useLocalDpi xmlns:a14="http://schemas.microsoft.com/office/drawing/2010/main" val="0"/>
+              </a:ext>
+            </a:extLst>
+          </a:blip>
+          <a:stretch>
+            <a:fillRect/>
+          </a:stretch>
+        </p:blipFill>
+        <p:spPr>
+          <a:xfrm>
+            <a:off x="470256" y="1733409"/>
+            <a:ext cx="8261143" cy="4647919"/>
+          </a:xfrm>
+          <a:prstGeom prst="rect">
+            <a:avLst/>
+          </a:prstGeom>
+        </p:spPr>
+      </p:pic>
+      <p:sp>
+        <p:nvSpPr>
+          <p:cNvPr id="5" name="Rechteck 4"/>
+          <p:cNvSpPr/>
+          <p:nvPr/>
+        </p:nvSpPr>
+        <p:spPr>
+          <a:xfrm>
+            <a:off x="5508104" y="3494782"/>
+            <a:ext cx="864096" cy="216024"/>
+          </a:xfrm>
+          <a:prstGeom prst="rect">
+            <a:avLst/>
+          </a:prstGeom>
+          <a:noFill/>
+          <a:ln>
+            <a:solidFill>
+              <a:srgbClr val="FF0000"/>
+            </a:solidFill>
+          </a:ln>
+        </p:spPr>
+        <p:style>
+          <a:lnRef idx="2">
+            <a:schemeClr val="accent2"/>
+          </a:lnRef>
+          <a:fillRef idx="1">
+            <a:schemeClr val="lt1"/>
+          </a:fillRef>
+          <a:effectRef idx="0">
+            <a:schemeClr val="accent2"/>
+          </a:effectRef>
+          <a:fontRef idx="minor">
+            <a:schemeClr val="dk1"/>
+          </a:fontRef>
+        </p:style>
+        <p:txBody>
+          <a:bodyPr rtlCol="0" anchor="ctr"/>
+          <a:lstStyle/>
+          <a:p>
+            <a:pPr algn="ctr"/>
+            <a:endParaRPr lang="en-GB"/>
+          </a:p>
+        </p:txBody>
+      </p:sp>
+    </p:spTree>
+    <p:extLst>
+      <p:ext uri="{BB962C8B-B14F-4D97-AF65-F5344CB8AC3E}">
+        <p14:creationId xmlns:p14="http://schemas.microsoft.com/office/powerpoint/2010/main" val="3271811659"/>
+      </p:ext>
+    </p:extLst>
+  </p:cSld>
+  <p:clrMapOvr>
+    <a:masterClrMapping/>
+  </p:clrMapOvr>
+  <p:timing>
+    <p:tnLst>
+      <p:par>
+        <p:cTn id="1" dur="indefinite" restart="never" nodeType="tmRoot"/>
+      </p:par>
+    </p:tnLst>
+  </p:timing>
+</p:sld>
+</file>
+
+<file path=ppt/slides/slide21.xml><?xml version="1.0" encoding="utf-8"?>
+<p:sld xmlns:a="http://schemas.openxmlformats.org/drawingml/2006/main" xmlns:r="http://schemas.openxmlformats.org/officeDocument/2006/relationships" xmlns:p="http://schemas.openxmlformats.org/presentationml/2006/main">
+  <p:cSld>
+    <p:spTree>
+      <p:nvGrpSpPr>
+        <p:cNvPr id="1" name=""/>
+        <p:cNvGrpSpPr/>
+        <p:nvPr/>
+      </p:nvGrpSpPr>
+      <p:grpSpPr>
+        <a:xfrm>
+          <a:off x="0" y="0"/>
+          <a:ext cx="0" cy="0"/>
+          <a:chOff x="0" y="0"/>
+          <a:chExt cx="0" cy="0"/>
+        </a:xfrm>
+      </p:grpSpPr>
+      <p:sp>
+        <p:nvSpPr>
+          <p:cNvPr id="2" name="Titel 1"/>
+          <p:cNvSpPr>
+            <a:spLocks noGrp="1"/>
+          </p:cNvSpPr>
+          <p:nvPr>
+            <p:ph type="title"/>
+          </p:nvPr>
+        </p:nvSpPr>
+        <p:spPr/>
+        <p:txBody>
+          <a:bodyPr/>
+          <a:lstStyle/>
+          <a:p>
+            <a:r>
+              <a:rPr lang="de-DE" dirty="0"/>
+              <a:t>Oberfläche und Parameter</a:t>
+            </a:r>
+            <a:endParaRPr lang="en-GB" dirty="0"/>
+          </a:p>
+        </p:txBody>
+      </p:sp>
+      <p:sp>
+        <p:nvSpPr>
+          <p:cNvPr id="3" name="Textplatzhalter 2"/>
+          <p:cNvSpPr>
+            <a:spLocks noGrp="1"/>
+          </p:cNvSpPr>
+          <p:nvPr>
+            <p:ph type="body" idx="1"/>
+          </p:nvPr>
+        </p:nvSpPr>
+        <p:spPr/>
+        <p:txBody>
+          <a:bodyPr/>
+          <a:lstStyle/>
+          <a:p>
+            <a:endParaRPr lang="en-GB" dirty="0"/>
+          </a:p>
+        </p:txBody>
+      </p:sp>
+      <p:pic>
+        <p:nvPicPr>
+          <p:cNvPr id="4" name="Grafik 3"/>
+          <p:cNvPicPr>
+            <a:picLocks noChangeAspect="1"/>
+          </p:cNvPicPr>
+          <p:nvPr/>
+        </p:nvPicPr>
+        <p:blipFill>
+          <a:blip r:embed="rId2">
+            <a:extLst>
+              <a:ext uri="{28A0092B-C50C-407E-A947-70E740481C1C}">
+                <a14:useLocalDpi xmlns:a14="http://schemas.microsoft.com/office/drawing/2010/main" val="0"/>
+              </a:ext>
+            </a:extLst>
+          </a:blip>
+          <a:stretch>
+            <a:fillRect/>
+          </a:stretch>
+        </p:blipFill>
+        <p:spPr>
+          <a:xfrm>
+            <a:off x="470256" y="1733409"/>
+            <a:ext cx="8261143" cy="4647919"/>
+          </a:xfrm>
+          <a:prstGeom prst="rect">
+            <a:avLst/>
+          </a:prstGeom>
+        </p:spPr>
+      </p:pic>
+      <p:sp>
+        <p:nvSpPr>
+          <p:cNvPr id="5" name="Rechteck 4"/>
+          <p:cNvSpPr/>
+          <p:nvPr/>
+        </p:nvSpPr>
+        <p:spPr>
+          <a:xfrm>
+            <a:off x="6473585" y="3490714"/>
+            <a:ext cx="981927" cy="216024"/>
+          </a:xfrm>
+          <a:prstGeom prst="rect">
+            <a:avLst/>
+          </a:prstGeom>
+          <a:noFill/>
+          <a:ln>
+            <a:solidFill>
+              <a:srgbClr val="FF0000"/>
+            </a:solidFill>
+          </a:ln>
+        </p:spPr>
+        <p:style>
+          <a:lnRef idx="2">
+            <a:schemeClr val="accent2"/>
+          </a:lnRef>
+          <a:fillRef idx="1">
+            <a:schemeClr val="lt1"/>
+          </a:fillRef>
+          <a:effectRef idx="0">
+            <a:schemeClr val="accent2"/>
+          </a:effectRef>
+          <a:fontRef idx="minor">
+            <a:schemeClr val="dk1"/>
+          </a:fontRef>
+        </p:style>
+        <p:txBody>
+          <a:bodyPr rtlCol="0" anchor="ctr"/>
+          <a:lstStyle/>
+          <a:p>
+            <a:pPr algn="ctr"/>
+            <a:endParaRPr lang="en-GB"/>
+          </a:p>
+        </p:txBody>
+      </p:sp>
+    </p:spTree>
+    <p:extLst>
+      <p:ext uri="{BB962C8B-B14F-4D97-AF65-F5344CB8AC3E}">
+        <p14:creationId xmlns:p14="http://schemas.microsoft.com/office/powerpoint/2010/main" val="3066238020"/>
+      </p:ext>
+    </p:extLst>
+  </p:cSld>
+  <p:clrMapOvr>
+    <a:masterClrMapping/>
+  </p:clrMapOvr>
+  <p:timing>
+    <p:tnLst>
+      <p:par>
+        <p:cTn id="1" dur="indefinite" restart="never" nodeType="tmRoot"/>
+      </p:par>
+    </p:tnLst>
+  </p:timing>
+</p:sld>
+</file>
+
+<file path=ppt/slides/slide22.xml><?xml version="1.0" encoding="utf-8"?>
+<p:sld xmlns:a="http://schemas.openxmlformats.org/drawingml/2006/main" xmlns:r="http://schemas.openxmlformats.org/officeDocument/2006/relationships" xmlns:p="http://schemas.openxmlformats.org/presentationml/2006/main">
+  <p:cSld>
+    <p:spTree>
+      <p:nvGrpSpPr>
+        <p:cNvPr id="1" name=""/>
+        <p:cNvGrpSpPr/>
+        <p:nvPr/>
+      </p:nvGrpSpPr>
+      <p:grpSpPr>
+        <a:xfrm>
+          <a:off x="0" y="0"/>
+          <a:ext cx="0" cy="0"/>
+          <a:chOff x="0" y="0"/>
+          <a:chExt cx="0" cy="0"/>
+        </a:xfrm>
+      </p:grpSpPr>
+      <p:sp>
+        <p:nvSpPr>
+          <p:cNvPr id="2" name="Titel 1"/>
+          <p:cNvSpPr>
+            <a:spLocks noGrp="1"/>
+          </p:cNvSpPr>
+          <p:nvPr>
+            <p:ph type="title"/>
+          </p:nvPr>
+        </p:nvSpPr>
+        <p:spPr/>
+        <p:txBody>
+          <a:bodyPr/>
+          <a:lstStyle/>
+          <a:p>
+            <a:r>
+              <a:rPr lang="de-DE" dirty="0" smtClean="0"/>
+              <a:t>Selektionsverfahren</a:t>
+            </a:r>
+            <a:endParaRPr lang="en-GB" dirty="0"/>
+          </a:p>
+        </p:txBody>
+      </p:sp>
+      <p:sp>
+        <p:nvSpPr>
+          <p:cNvPr id="3" name="Textplatzhalter 2"/>
+          <p:cNvSpPr>
+            <a:spLocks noGrp="1"/>
+          </p:cNvSpPr>
+          <p:nvPr>
+            <p:ph type="body" idx="1"/>
+          </p:nvPr>
+        </p:nvSpPr>
+        <p:spPr/>
+        <p:txBody>
+          <a:bodyPr/>
+          <a:lstStyle/>
+          <a:p>
+            <a:r>
+              <a:rPr lang="de-DE" dirty="0" smtClean="0"/>
+              <a:t>Implementiert wurden:</a:t>
+            </a:r>
+          </a:p>
+          <a:p>
+            <a:pPr lvl="1"/>
+            <a:r>
+              <a:rPr lang="de-DE" dirty="0" smtClean="0"/>
+              <a:t>„keine“</a:t>
+            </a:r>
+          </a:p>
+          <a:p>
+            <a:pPr lvl="1"/>
+            <a:r>
+              <a:rPr lang="de-DE" dirty="0" smtClean="0"/>
+              <a:t>Komma-Selektion</a:t>
+            </a:r>
+          </a:p>
+          <a:p>
+            <a:pPr lvl="1"/>
+            <a:r>
+              <a:rPr lang="de-DE" dirty="0" smtClean="0"/>
+              <a:t>Plus-Selektion</a:t>
+            </a:r>
+          </a:p>
+          <a:p>
+            <a:r>
+              <a:rPr lang="de-DE" dirty="0" smtClean="0"/>
+              <a:t>Untersucht wurde jeweils der Einsatz der Komma- und der Plus-Selektion</a:t>
+            </a:r>
+          </a:p>
+          <a:p>
+            <a:r>
+              <a:rPr lang="de-DE" dirty="0" smtClean="0"/>
+              <a:t>Tests ergaben:</a:t>
+            </a:r>
+          </a:p>
+          <a:p>
+            <a:pPr lvl="1"/>
+            <a:r>
+              <a:rPr lang="de-DE" dirty="0" smtClean="0"/>
+              <a:t>Keine signifikanten Unterschiede zwischen den Verfahren</a:t>
+            </a:r>
+          </a:p>
+          <a:p>
+            <a:pPr lvl="1"/>
+            <a:r>
+              <a:rPr lang="de-DE" dirty="0" smtClean="0"/>
+              <a:t>Allerdings erhebliche Verbesserung gegenüber keinem Einsatz eines Selektionsverfahrens</a:t>
+            </a:r>
+            <a:endParaRPr lang="en-GB" dirty="0"/>
+          </a:p>
+        </p:txBody>
+      </p:sp>
+    </p:spTree>
+    <p:extLst>
+      <p:ext uri="{BB962C8B-B14F-4D97-AF65-F5344CB8AC3E}">
+        <p14:creationId xmlns:p14="http://schemas.microsoft.com/office/powerpoint/2010/main" val="3304127985"/>
+      </p:ext>
+    </p:extLst>
+  </p:cSld>
+  <p:clrMapOvr>
+    <a:masterClrMapping/>
+  </p:clrMapOvr>
+  <p:timing>
+    <p:tnLst>
+      <p:par>
+        <p:cTn id="1" dur="indefinite" restart="never" nodeType="tmRoot"/>
+      </p:par>
+    </p:tnLst>
+  </p:timing>
+</p:sld>
+</file>
+
+<file path=ppt/slides/slide23.xml><?xml version="1.0" encoding="utf-8"?>
+<p:sld xmlns:a="http://schemas.openxmlformats.org/drawingml/2006/main" xmlns:r="http://schemas.openxmlformats.org/officeDocument/2006/relationships" xmlns:p="http://schemas.openxmlformats.org/presentationml/2006/main">
+  <p:cSld>
+    <p:spTree>
+      <p:nvGrpSpPr>
+        <p:cNvPr id="1" name=""/>
+        <p:cNvGrpSpPr/>
+        <p:nvPr/>
+      </p:nvGrpSpPr>
+      <p:grpSpPr>
+        <a:xfrm>
+          <a:off x="0" y="0"/>
+          <a:ext cx="0" cy="0"/>
+          <a:chOff x="0" y="0"/>
+          <a:chExt cx="0" cy="0"/>
+        </a:xfrm>
+      </p:grpSpPr>
+      <p:sp>
+        <p:nvSpPr>
+          <p:cNvPr id="2" name="Titel 1"/>
+          <p:cNvSpPr>
+            <a:spLocks noGrp="1"/>
+          </p:cNvSpPr>
+          <p:nvPr>
+            <p:ph type="title"/>
+          </p:nvPr>
+        </p:nvSpPr>
+        <p:spPr/>
+        <p:txBody>
+          <a:bodyPr/>
+          <a:lstStyle/>
+          <a:p>
+            <a:r>
+              <a:rPr lang="de-DE" dirty="0"/>
+              <a:t>Oberfläche und Parameter</a:t>
+            </a:r>
+            <a:endParaRPr lang="en-GB" dirty="0"/>
+          </a:p>
+        </p:txBody>
+      </p:sp>
+      <p:sp>
+        <p:nvSpPr>
+          <p:cNvPr id="3" name="Textplatzhalter 2"/>
+          <p:cNvSpPr>
+            <a:spLocks noGrp="1"/>
+          </p:cNvSpPr>
+          <p:nvPr>
+            <p:ph type="body" idx="1"/>
+          </p:nvPr>
+        </p:nvSpPr>
+        <p:spPr/>
+        <p:txBody>
+          <a:bodyPr/>
+          <a:lstStyle/>
+          <a:p>
+            <a:endParaRPr lang="en-GB" dirty="0"/>
+          </a:p>
+        </p:txBody>
+      </p:sp>
+      <p:pic>
+        <p:nvPicPr>
+          <p:cNvPr id="4" name="Grafik 3"/>
+          <p:cNvPicPr>
+            <a:picLocks noChangeAspect="1"/>
+          </p:cNvPicPr>
+          <p:nvPr/>
+        </p:nvPicPr>
+        <p:blipFill>
+          <a:blip r:embed="rId2">
+            <a:extLst>
+              <a:ext uri="{28A0092B-C50C-407E-A947-70E740481C1C}">
+                <a14:useLocalDpi xmlns:a14="http://schemas.microsoft.com/office/drawing/2010/main" val="0"/>
+              </a:ext>
+            </a:extLst>
+          </a:blip>
+          <a:stretch>
+            <a:fillRect/>
+          </a:stretch>
+        </p:blipFill>
+        <p:spPr>
+          <a:xfrm>
+            <a:off x="470256" y="1733409"/>
+            <a:ext cx="8261143" cy="4647919"/>
+          </a:xfrm>
+          <a:prstGeom prst="rect">
+            <a:avLst/>
+          </a:prstGeom>
+        </p:spPr>
+      </p:pic>
+      <p:sp>
+        <p:nvSpPr>
+          <p:cNvPr id="5" name="Rechteck 4"/>
+          <p:cNvSpPr/>
+          <p:nvPr/>
+        </p:nvSpPr>
+        <p:spPr>
+          <a:xfrm>
+            <a:off x="6473585" y="3814158"/>
+            <a:ext cx="981927" cy="216024"/>
+          </a:xfrm>
+          <a:prstGeom prst="rect">
+            <a:avLst/>
+          </a:prstGeom>
+          <a:noFill/>
+          <a:ln>
+            <a:solidFill>
+              <a:srgbClr val="FF0000"/>
+            </a:solidFill>
+          </a:ln>
+        </p:spPr>
+        <p:style>
+          <a:lnRef idx="2">
+            <a:schemeClr val="accent2"/>
+          </a:lnRef>
+          <a:fillRef idx="1">
+            <a:schemeClr val="lt1"/>
+          </a:fillRef>
+          <a:effectRef idx="0">
+            <a:schemeClr val="accent2"/>
+          </a:effectRef>
+          <a:fontRef idx="minor">
+            <a:schemeClr val="dk1"/>
+          </a:fontRef>
+        </p:style>
+        <p:txBody>
+          <a:bodyPr rtlCol="0" anchor="ctr"/>
+          <a:lstStyle/>
+          <a:p>
+            <a:pPr algn="ctr"/>
+            <a:endParaRPr lang="en-GB"/>
+          </a:p>
+        </p:txBody>
+      </p:sp>
+    </p:spTree>
+    <p:extLst>
+      <p:ext uri="{BB962C8B-B14F-4D97-AF65-F5344CB8AC3E}">
+        <p14:creationId xmlns:p14="http://schemas.microsoft.com/office/powerpoint/2010/main" val="3202586226"/>
+      </p:ext>
+    </p:extLst>
+  </p:cSld>
+  <p:clrMapOvr>
+    <a:masterClrMapping/>
+  </p:clrMapOvr>
+  <p:timing>
+    <p:tnLst>
+      <p:par>
+        <p:cTn id="1" dur="indefinite" restart="never" nodeType="tmRoot"/>
+      </p:par>
+    </p:tnLst>
+  </p:timing>
+</p:sld>
+</file>
+
+<file path=ppt/slides/slide24.xml><?xml version="1.0" encoding="utf-8"?>
+<p:sld xmlns:a="http://schemas.openxmlformats.org/drawingml/2006/main" xmlns:r="http://schemas.openxmlformats.org/officeDocument/2006/relationships" xmlns:p="http://schemas.openxmlformats.org/presentationml/2006/main">
+  <p:cSld>
+    <p:spTree>
+      <p:nvGrpSpPr>
+        <p:cNvPr id="1" name=""/>
+        <p:cNvGrpSpPr/>
+        <p:nvPr/>
+      </p:nvGrpSpPr>
+      <p:grpSpPr>
+        <a:xfrm>
+          <a:off x="0" y="0"/>
+          <a:ext cx="0" cy="0"/>
+          <a:chOff x="0" y="0"/>
+          <a:chExt cx="0" cy="0"/>
+        </a:xfrm>
+      </p:grpSpPr>
+      <p:sp>
+        <p:nvSpPr>
+          <p:cNvPr id="2" name="Titel 1"/>
+          <p:cNvSpPr>
+            <a:spLocks noGrp="1"/>
+          </p:cNvSpPr>
+          <p:nvPr>
+            <p:ph type="title"/>
+          </p:nvPr>
+        </p:nvSpPr>
+        <p:spPr/>
+        <p:txBody>
+          <a:bodyPr/>
+          <a:lstStyle/>
+          <a:p>
+            <a:r>
+              <a:rPr lang="de-DE" dirty="0" smtClean="0"/>
+              <a:t>Wahlverfahren</a:t>
+            </a:r>
+            <a:endParaRPr lang="en-GB" dirty="0"/>
+          </a:p>
+        </p:txBody>
+      </p:sp>
+      <p:sp>
+        <p:nvSpPr>
+          <p:cNvPr id="3" name="Textplatzhalter 2"/>
+          <p:cNvSpPr>
+            <a:spLocks noGrp="1"/>
+          </p:cNvSpPr>
+          <p:nvPr>
+            <p:ph type="body" idx="1"/>
+          </p:nvPr>
+        </p:nvSpPr>
+        <p:spPr/>
+        <p:txBody>
+          <a:bodyPr/>
+          <a:lstStyle/>
+          <a:p>
+            <a:r>
+              <a:rPr lang="de-DE" sz="2800" dirty="0"/>
+              <a:t>Implementiert wurden:</a:t>
+            </a:r>
+          </a:p>
+          <a:p>
+            <a:pPr lvl="1"/>
+            <a:r>
+              <a:rPr lang="de-DE" sz="2000" dirty="0" smtClean="0"/>
+              <a:t>Zufällige Auswahl aus der Selektionsmenge</a:t>
+            </a:r>
+          </a:p>
+          <a:p>
+            <a:pPr lvl="1"/>
+            <a:r>
+              <a:rPr lang="de-DE" sz="2000" dirty="0"/>
+              <a:t>Nach fitnesssortierter Auswahl aus der Selektionsmenge</a:t>
+            </a:r>
+            <a:endParaRPr lang="en-GB" sz="2000" dirty="0"/>
+          </a:p>
+          <a:p>
+            <a:pPr lvl="1"/>
+            <a:r>
+              <a:rPr lang="de-DE" sz="2000" dirty="0"/>
+              <a:t>q-fach Turnier Auswahl aus der </a:t>
+            </a:r>
+            <a:r>
+              <a:rPr lang="de-DE" sz="2000" dirty="0" smtClean="0"/>
+              <a:t>Selektionsmenge</a:t>
+            </a:r>
+          </a:p>
+          <a:p>
+            <a:r>
+              <a:rPr lang="de-DE" sz="2800" dirty="0" smtClean="0"/>
+              <a:t>Untersucht wurde jeweils die Kombination aus Selektionsverfahren und Wahlverfahren</a:t>
+            </a:r>
+          </a:p>
+          <a:p>
+            <a:r>
+              <a:rPr lang="de-DE" sz="2800" dirty="0" smtClean="0"/>
+              <a:t>Tests ergaben:</a:t>
+            </a:r>
+          </a:p>
+          <a:p>
+            <a:pPr lvl="1"/>
+            <a:r>
+              <a:rPr lang="de-DE" sz="2000" dirty="0" smtClean="0"/>
+              <a:t>Fitnessorientierte und </a:t>
+            </a:r>
+            <a:r>
+              <a:rPr lang="de-DE" sz="2000" dirty="0"/>
+              <a:t>q-fach Turnier Auswahl </a:t>
+            </a:r>
+            <a:r>
+              <a:rPr lang="de-DE" sz="2000" dirty="0" smtClean="0"/>
+              <a:t> führen unabhängig von Selektionsverfahren zu signifikant besseren Ergebnissen als die zufällige Auswahl</a:t>
+            </a:r>
+          </a:p>
+          <a:p>
+            <a:pPr lvl="1"/>
+            <a:r>
+              <a:rPr lang="de-DE" sz="2000" dirty="0" smtClean="0"/>
+              <a:t>In den Tests führte die fitnesssortierte </a:t>
+            </a:r>
+            <a:r>
+              <a:rPr lang="de-DE" sz="2000" dirty="0"/>
+              <a:t>Auswahl </a:t>
+            </a:r>
+            <a:r>
+              <a:rPr lang="de-DE" sz="2000" dirty="0" smtClean="0"/>
+              <a:t>zu leicht besseren Ergebnissen</a:t>
+            </a:r>
+            <a:endParaRPr lang="de-DE" dirty="0"/>
+          </a:p>
+          <a:p>
+            <a:endParaRPr lang="en-GB" dirty="0"/>
+          </a:p>
+        </p:txBody>
+      </p:sp>
+    </p:spTree>
+    <p:extLst>
+      <p:ext uri="{BB962C8B-B14F-4D97-AF65-F5344CB8AC3E}">
+        <p14:creationId xmlns:p14="http://schemas.microsoft.com/office/powerpoint/2010/main" val="2753742906"/>
+      </p:ext>
+    </p:extLst>
+  </p:cSld>
+  <p:clrMapOvr>
+    <a:masterClrMapping/>
+  </p:clrMapOvr>
+  <p:timing>
+    <p:tnLst>
+      <p:par>
+        <p:cTn id="1" dur="indefinite" restart="never" nodeType="tmRoot"/>
+      </p:par>
+    </p:tnLst>
+  </p:timing>
+</p:sld>
+</file>
+
+<file path=ppt/slides/slide25.xml><?xml version="1.0" encoding="utf-8"?>
+<p:sld xmlns:a="http://schemas.openxmlformats.org/drawingml/2006/main" xmlns:r="http://schemas.openxmlformats.org/officeDocument/2006/relationships" xmlns:p="http://schemas.openxmlformats.org/presentationml/2006/main">
+  <p:cSld>
+    <p:spTree>
+      <p:nvGrpSpPr>
+        <p:cNvPr id="1" name=""/>
+        <p:cNvGrpSpPr/>
+        <p:nvPr/>
+      </p:nvGrpSpPr>
+      <p:grpSpPr>
+        <a:xfrm>
+          <a:off x="0" y="0"/>
+          <a:ext cx="0" cy="0"/>
+          <a:chOff x="0" y="0"/>
+          <a:chExt cx="0" cy="0"/>
+        </a:xfrm>
+      </p:grpSpPr>
+      <p:sp>
+        <p:nvSpPr>
+          <p:cNvPr id="2" name="Titel 1"/>
+          <p:cNvSpPr>
+            <a:spLocks noGrp="1"/>
+          </p:cNvSpPr>
+          <p:nvPr>
+            <p:ph type="title"/>
+          </p:nvPr>
+        </p:nvSpPr>
+        <p:spPr/>
+        <p:txBody>
+          <a:bodyPr/>
+          <a:lstStyle/>
+          <a:p>
+            <a:r>
+              <a:rPr lang="de-DE" dirty="0"/>
+              <a:t>Oberfläche und Parameter</a:t>
+            </a:r>
+            <a:endParaRPr lang="en-GB" dirty="0"/>
+          </a:p>
+        </p:txBody>
+      </p:sp>
+      <p:sp>
+        <p:nvSpPr>
+          <p:cNvPr id="3" name="Textplatzhalter 2"/>
+          <p:cNvSpPr>
+            <a:spLocks noGrp="1"/>
+          </p:cNvSpPr>
+          <p:nvPr>
+            <p:ph type="body" idx="1"/>
+          </p:nvPr>
+        </p:nvSpPr>
+        <p:spPr/>
+        <p:txBody>
+          <a:bodyPr/>
+          <a:lstStyle/>
+          <a:p>
+            <a:endParaRPr lang="en-GB" dirty="0"/>
+          </a:p>
+        </p:txBody>
+      </p:sp>
+      <p:pic>
+        <p:nvPicPr>
+          <p:cNvPr id="4" name="Grafik 3"/>
+          <p:cNvPicPr>
+            <a:picLocks noChangeAspect="1"/>
+          </p:cNvPicPr>
+          <p:nvPr/>
+        </p:nvPicPr>
+        <p:blipFill>
+          <a:blip r:embed="rId2">
+            <a:extLst>
+              <a:ext uri="{28A0092B-C50C-407E-A947-70E740481C1C}">
+                <a14:useLocalDpi xmlns:a14="http://schemas.microsoft.com/office/drawing/2010/main" val="0"/>
+              </a:ext>
+            </a:extLst>
+          </a:blip>
+          <a:stretch>
+            <a:fillRect/>
+          </a:stretch>
+        </p:blipFill>
+        <p:spPr>
+          <a:xfrm>
+            <a:off x="470256" y="1733409"/>
+            <a:ext cx="8261143" cy="4647919"/>
+          </a:xfrm>
+          <a:prstGeom prst="rect">
+            <a:avLst/>
+          </a:prstGeom>
+        </p:spPr>
+      </p:pic>
+      <p:sp>
+        <p:nvSpPr>
+          <p:cNvPr id="5" name="Rechteck 4"/>
+          <p:cNvSpPr/>
+          <p:nvPr/>
+        </p:nvSpPr>
+        <p:spPr>
+          <a:xfrm>
+            <a:off x="4283969" y="3836678"/>
+            <a:ext cx="864096" cy="196385"/>
+          </a:xfrm>
+          <a:prstGeom prst="rect">
+            <a:avLst/>
+          </a:prstGeom>
+          <a:noFill/>
+          <a:ln>
+            <a:solidFill>
+              <a:srgbClr val="FF0000"/>
+            </a:solidFill>
+          </a:ln>
+        </p:spPr>
+        <p:style>
+          <a:lnRef idx="2">
+            <a:schemeClr val="accent2"/>
+          </a:lnRef>
+          <a:fillRef idx="1">
+            <a:schemeClr val="lt1"/>
+          </a:fillRef>
+          <a:effectRef idx="0">
+            <a:schemeClr val="accent2"/>
+          </a:effectRef>
+          <a:fontRef idx="minor">
+            <a:schemeClr val="dk1"/>
+          </a:fontRef>
+        </p:style>
+        <p:txBody>
+          <a:bodyPr rtlCol="0" anchor="ctr"/>
+          <a:lstStyle/>
+          <a:p>
+            <a:pPr algn="ctr"/>
+            <a:endParaRPr lang="en-GB"/>
+          </a:p>
+        </p:txBody>
+      </p:sp>
+    </p:spTree>
+    <p:extLst>
+      <p:ext uri="{BB962C8B-B14F-4D97-AF65-F5344CB8AC3E}">
+        <p14:creationId xmlns:p14="http://schemas.microsoft.com/office/powerpoint/2010/main" val="1265991690"/>
+      </p:ext>
+    </p:extLst>
+  </p:cSld>
+  <p:clrMapOvr>
+    <a:masterClrMapping/>
+  </p:clrMapOvr>
+  <p:timing>
+    <p:tnLst>
+      <p:par>
+        <p:cTn id="1" dur="indefinite" restart="never" nodeType="tmRoot"/>
+      </p:par>
+    </p:tnLst>
+  </p:timing>
+</p:sld>
+</file>
+
+<file path=ppt/slides/slide26.xml><?xml version="1.0" encoding="utf-8"?>
+<p:sld xmlns:a="http://schemas.openxmlformats.org/drawingml/2006/main" xmlns:r="http://schemas.openxmlformats.org/officeDocument/2006/relationships" xmlns:p="http://schemas.openxmlformats.org/presentationml/2006/main">
+  <p:cSld>
+    <p:spTree>
+      <p:nvGrpSpPr>
+        <p:cNvPr id="1" name=""/>
+        <p:cNvGrpSpPr/>
+        <p:nvPr/>
+      </p:nvGrpSpPr>
+      <p:grpSpPr>
+        <a:xfrm>
+          <a:off x="0" y="0"/>
+          <a:ext cx="0" cy="0"/>
+          <a:chOff x="0" y="0"/>
+          <a:chExt cx="0" cy="0"/>
+        </a:xfrm>
+      </p:grpSpPr>
+      <p:sp>
+        <p:nvSpPr>
+          <p:cNvPr id="2" name="Titel 1"/>
+          <p:cNvSpPr>
+            <a:spLocks noGrp="1"/>
+          </p:cNvSpPr>
+          <p:nvPr>
+            <p:ph type="title"/>
+          </p:nvPr>
+        </p:nvSpPr>
+        <p:spPr/>
+        <p:txBody>
+          <a:bodyPr/>
+          <a:lstStyle/>
+          <a:p>
+            <a:r>
+              <a:rPr lang="de-DE" dirty="0"/>
+              <a:t>Oberfläche und Parameter</a:t>
+            </a:r>
+            <a:endParaRPr lang="en-GB" dirty="0"/>
+          </a:p>
+        </p:txBody>
+      </p:sp>
+      <p:sp>
+        <p:nvSpPr>
+          <p:cNvPr id="3" name="Textplatzhalter 2"/>
+          <p:cNvSpPr>
+            <a:spLocks noGrp="1"/>
+          </p:cNvSpPr>
+          <p:nvPr>
+            <p:ph type="body" idx="1"/>
+          </p:nvPr>
+        </p:nvSpPr>
+        <p:spPr/>
+        <p:txBody>
+          <a:bodyPr/>
+          <a:lstStyle/>
+          <a:p>
+            <a:endParaRPr lang="en-GB" dirty="0"/>
+          </a:p>
+        </p:txBody>
+      </p:sp>
+      <p:pic>
+        <p:nvPicPr>
+          <p:cNvPr id="4" name="Grafik 3"/>
+          <p:cNvPicPr>
+            <a:picLocks noChangeAspect="1"/>
+          </p:cNvPicPr>
+          <p:nvPr/>
+        </p:nvPicPr>
+        <p:blipFill>
+          <a:blip r:embed="rId2">
+            <a:extLst>
+              <a:ext uri="{28A0092B-C50C-407E-A947-70E740481C1C}">
+                <a14:useLocalDpi xmlns:a14="http://schemas.microsoft.com/office/drawing/2010/main" val="0"/>
+              </a:ext>
+            </a:extLst>
+          </a:blip>
+          <a:stretch>
+            <a:fillRect/>
+          </a:stretch>
+        </p:blipFill>
+        <p:spPr>
+          <a:xfrm>
+            <a:off x="470256" y="1733409"/>
+            <a:ext cx="8261143" cy="4647919"/>
+          </a:xfrm>
+          <a:prstGeom prst="rect">
+            <a:avLst/>
+          </a:prstGeom>
+        </p:spPr>
+      </p:pic>
+      <p:sp>
+        <p:nvSpPr>
+          <p:cNvPr id="5" name="Rechteck 4"/>
+          <p:cNvSpPr/>
+          <p:nvPr/>
+        </p:nvSpPr>
+        <p:spPr>
+          <a:xfrm>
+            <a:off x="683568" y="3831606"/>
+            <a:ext cx="2880320" cy="196385"/>
+          </a:xfrm>
+          <a:prstGeom prst="rect">
+            <a:avLst/>
+          </a:prstGeom>
+          <a:noFill/>
+          <a:ln>
+            <a:solidFill>
+              <a:srgbClr val="FF0000"/>
+            </a:solidFill>
+          </a:ln>
+        </p:spPr>
+        <p:style>
+          <a:lnRef idx="2">
+            <a:schemeClr val="accent2"/>
+          </a:lnRef>
+          <a:fillRef idx="1">
+            <a:schemeClr val="lt1"/>
+          </a:fillRef>
+          <a:effectRef idx="0">
+            <a:schemeClr val="accent2"/>
+          </a:effectRef>
+          <a:fontRef idx="minor">
+            <a:schemeClr val="dk1"/>
+          </a:fontRef>
+        </p:style>
+        <p:txBody>
+          <a:bodyPr rtlCol="0" anchor="ctr"/>
+          <a:lstStyle/>
+          <a:p>
+            <a:pPr algn="ctr"/>
+            <a:endParaRPr lang="en-GB"/>
+          </a:p>
+        </p:txBody>
+      </p:sp>
+    </p:spTree>
+    <p:extLst>
+      <p:ext uri="{BB962C8B-B14F-4D97-AF65-F5344CB8AC3E}">
+        <p14:creationId xmlns:p14="http://schemas.microsoft.com/office/powerpoint/2010/main" val="2756632067"/>
+      </p:ext>
+    </p:extLst>
+  </p:cSld>
+  <p:clrMapOvr>
+    <a:masterClrMapping/>
+  </p:clrMapOvr>
+  <p:timing>
+    <p:tnLst>
+      <p:par>
+        <p:cTn id="1" dur="indefinite" restart="never" nodeType="tmRoot"/>
+      </p:par>
+    </p:tnLst>
+  </p:timing>
+</p:sld>
+</file>
+
+<file path=ppt/slides/slide27.xml><?xml version="1.0" encoding="utf-8"?>
+<p:sld xmlns:a="http://schemas.openxmlformats.org/drawingml/2006/main" xmlns:r="http://schemas.openxmlformats.org/officeDocument/2006/relationships" xmlns:p="http://schemas.openxmlformats.org/presentationml/2006/main">
+  <p:cSld>
+    <p:spTree>
+      <p:nvGrpSpPr>
+        <p:cNvPr id="1" name=""/>
+        <p:cNvGrpSpPr/>
+        <p:nvPr/>
+      </p:nvGrpSpPr>
+      <p:grpSpPr>
+        <a:xfrm>
+          <a:off x="0" y="0"/>
+          <a:ext cx="0" cy="0"/>
+          <a:chOff x="0" y="0"/>
+          <a:chExt cx="0" cy="0"/>
+        </a:xfrm>
+      </p:grpSpPr>
+      <p:sp>
+        <p:nvSpPr>
+          <p:cNvPr id="2" name="Titel 1"/>
+          <p:cNvSpPr>
+            <a:spLocks noGrp="1"/>
+          </p:cNvSpPr>
+          <p:nvPr>
+            <p:ph type="title"/>
+          </p:nvPr>
+        </p:nvSpPr>
+        <p:spPr/>
+        <p:txBody>
+          <a:bodyPr/>
+          <a:lstStyle/>
+          <a:p>
+            <a:r>
+              <a:rPr lang="de-DE" dirty="0"/>
+              <a:t>Oberfläche und Parameter</a:t>
+            </a:r>
+            <a:endParaRPr lang="en-GB" dirty="0"/>
+          </a:p>
+        </p:txBody>
+      </p:sp>
+      <p:sp>
+        <p:nvSpPr>
+          <p:cNvPr id="3" name="Textplatzhalter 2"/>
+          <p:cNvSpPr>
+            <a:spLocks noGrp="1"/>
+          </p:cNvSpPr>
+          <p:nvPr>
+            <p:ph type="body" idx="1"/>
+          </p:nvPr>
+        </p:nvSpPr>
+        <p:spPr/>
+        <p:txBody>
+          <a:bodyPr/>
+          <a:lstStyle/>
+          <a:p>
+            <a:endParaRPr lang="en-GB" dirty="0"/>
+          </a:p>
+        </p:txBody>
+      </p:sp>
+      <p:pic>
+        <p:nvPicPr>
+          <p:cNvPr id="4" name="Grafik 3"/>
+          <p:cNvPicPr>
+            <a:picLocks noChangeAspect="1"/>
+          </p:cNvPicPr>
+          <p:nvPr/>
+        </p:nvPicPr>
+        <p:blipFill>
+          <a:blip r:embed="rId2">
+            <a:extLst>
+              <a:ext uri="{28A0092B-C50C-407E-A947-70E740481C1C}">
+                <a14:useLocalDpi xmlns:a14="http://schemas.microsoft.com/office/drawing/2010/main" val="0"/>
+              </a:ext>
+            </a:extLst>
+          </a:blip>
+          <a:stretch>
+            <a:fillRect/>
+          </a:stretch>
+        </p:blipFill>
+        <p:spPr>
+          <a:xfrm>
+            <a:off x="470256" y="1733409"/>
+            <a:ext cx="8261143" cy="4647919"/>
+          </a:xfrm>
+          <a:prstGeom prst="rect">
+            <a:avLst/>
+          </a:prstGeom>
+        </p:spPr>
+      </p:pic>
+      <p:sp>
+        <p:nvSpPr>
+          <p:cNvPr id="5" name="Rechteck 4"/>
+          <p:cNvSpPr/>
+          <p:nvPr/>
+        </p:nvSpPr>
+        <p:spPr>
+          <a:xfrm>
+            <a:off x="671538" y="4293096"/>
+            <a:ext cx="7860902" cy="504056"/>
+          </a:xfrm>
+          <a:prstGeom prst="rect">
+            <a:avLst/>
+          </a:prstGeom>
+          <a:noFill/>
+          <a:ln>
+            <a:solidFill>
+              <a:srgbClr val="FF0000"/>
+            </a:solidFill>
+          </a:ln>
+        </p:spPr>
+        <p:style>
+          <a:lnRef idx="2">
+            <a:schemeClr val="accent2"/>
+          </a:lnRef>
+          <a:fillRef idx="1">
+            <a:schemeClr val="lt1"/>
+          </a:fillRef>
+          <a:effectRef idx="0">
+            <a:schemeClr val="accent2"/>
+          </a:effectRef>
+          <a:fontRef idx="minor">
+            <a:schemeClr val="dk1"/>
+          </a:fontRef>
+        </p:style>
+        <p:txBody>
+          <a:bodyPr rtlCol="0" anchor="ctr"/>
+          <a:lstStyle/>
+          <a:p>
+            <a:pPr algn="ctr"/>
+            <a:endParaRPr lang="en-GB"/>
+          </a:p>
+        </p:txBody>
+      </p:sp>
+    </p:spTree>
+    <p:extLst>
+      <p:ext uri="{BB962C8B-B14F-4D97-AF65-F5344CB8AC3E}">
+        <p14:creationId xmlns:p14="http://schemas.microsoft.com/office/powerpoint/2010/main" val="2809836407"/>
+      </p:ext>
+    </p:extLst>
+  </p:cSld>
+  <p:clrMapOvr>
+    <a:masterClrMapping/>
+  </p:clrMapOvr>
+  <p:timing>
+    <p:tnLst>
+      <p:par>
+        <p:cTn id="1" dur="indefinite" restart="never" nodeType="tmRoot"/>
+      </p:par>
+    </p:tnLst>
+  </p:timing>
+</p:sld>
+</file>
+
+<file path=ppt/slides/slide28.xml><?xml version="1.0" encoding="utf-8"?>
+<p:sld xmlns:a="http://schemas.openxmlformats.org/drawingml/2006/main" xmlns:r="http://schemas.openxmlformats.org/officeDocument/2006/relationships" xmlns:p="http://schemas.openxmlformats.org/presentationml/2006/main">
+  <p:cSld>
+    <p:spTree>
+      <p:nvGrpSpPr>
+        <p:cNvPr id="1" name=""/>
+        <p:cNvGrpSpPr/>
+        <p:nvPr/>
+      </p:nvGrpSpPr>
+      <p:grpSpPr>
+        <a:xfrm>
+          <a:off x="0" y="0"/>
+          <a:ext cx="0" cy="0"/>
+          <a:chOff x="0" y="0"/>
+          <a:chExt cx="0" cy="0"/>
+        </a:xfrm>
+      </p:grpSpPr>
+      <p:sp>
+        <p:nvSpPr>
+          <p:cNvPr id="2" name="Titel 1"/>
+          <p:cNvSpPr>
+            <a:spLocks noGrp="1"/>
+          </p:cNvSpPr>
+          <p:nvPr>
+            <p:ph type="title"/>
+          </p:nvPr>
+        </p:nvSpPr>
+        <p:spPr/>
+        <p:txBody>
+          <a:bodyPr/>
+          <a:lstStyle/>
+          <a:p>
+            <a:r>
+              <a:rPr lang="de-DE" dirty="0" smtClean="0"/>
+              <a:t>Grafische Darstellung</a:t>
+            </a:r>
+            <a:endParaRPr lang="en-GB" dirty="0"/>
+          </a:p>
+        </p:txBody>
+      </p:sp>
+      <p:sp>
+        <p:nvSpPr>
+          <p:cNvPr id="3" name="Textplatzhalter 2"/>
+          <p:cNvSpPr>
+            <a:spLocks noGrp="1"/>
+          </p:cNvSpPr>
+          <p:nvPr>
+            <p:ph type="body" idx="1"/>
+          </p:nvPr>
+        </p:nvSpPr>
+        <p:spPr/>
+        <p:txBody>
+          <a:bodyPr/>
+          <a:lstStyle/>
+          <a:p>
+            <a:endParaRPr lang="en-GB" dirty="0"/>
+          </a:p>
+        </p:txBody>
+      </p:sp>
+      <p:sp>
+        <p:nvSpPr>
+          <p:cNvPr id="5" name="Rechteck 4"/>
+          <p:cNvSpPr/>
+          <p:nvPr/>
+        </p:nvSpPr>
+        <p:spPr>
+          <a:xfrm>
+            <a:off x="671538" y="4293096"/>
+            <a:ext cx="7860902" cy="504056"/>
+          </a:xfrm>
+          <a:prstGeom prst="rect">
+            <a:avLst/>
+          </a:prstGeom>
+          <a:noFill/>
+          <a:ln>
+            <a:solidFill>
+              <a:srgbClr val="FF0000"/>
+            </a:solidFill>
+          </a:ln>
+        </p:spPr>
+        <p:style>
+          <a:lnRef idx="2">
+            <a:schemeClr val="accent2"/>
+          </a:lnRef>
+          <a:fillRef idx="1">
+            <a:schemeClr val="lt1"/>
+          </a:fillRef>
+          <a:effectRef idx="0">
+            <a:schemeClr val="accent2"/>
+          </a:effectRef>
+          <a:fontRef idx="minor">
+            <a:schemeClr val="dk1"/>
+          </a:fontRef>
+        </p:style>
+        <p:txBody>
+          <a:bodyPr rtlCol="0" anchor="ctr"/>
+          <a:lstStyle/>
+          <a:p>
+            <a:pPr algn="ctr"/>
+            <a:endParaRPr lang="en-GB"/>
+          </a:p>
+        </p:txBody>
+      </p:sp>
+      <p:pic>
+        <p:nvPicPr>
+          <p:cNvPr id="6" name="Grafik 5"/>
+          <p:cNvPicPr>
+            <a:picLocks noChangeAspect="1"/>
+          </p:cNvPicPr>
+          <p:nvPr/>
+        </p:nvPicPr>
+        <p:blipFill>
+          <a:blip r:embed="rId2">
+            <a:extLst>
+              <a:ext uri="{28A0092B-C50C-407E-A947-70E740481C1C}">
+                <a14:useLocalDpi xmlns:a14="http://schemas.microsoft.com/office/drawing/2010/main" val="0"/>
+              </a:ext>
+            </a:extLst>
+          </a:blip>
+          <a:stretch>
+            <a:fillRect/>
+          </a:stretch>
+        </p:blipFill>
+        <p:spPr>
+          <a:xfrm>
+            <a:off x="442125" y="1628800"/>
+            <a:ext cx="8319727" cy="4801435"/>
+          </a:xfrm>
+          <a:prstGeom prst="rect">
+            <a:avLst/>
+          </a:prstGeom>
+        </p:spPr>
+      </p:pic>
+    </p:spTree>
+    <p:extLst>
+      <p:ext uri="{BB962C8B-B14F-4D97-AF65-F5344CB8AC3E}">
+        <p14:creationId xmlns:p14="http://schemas.microsoft.com/office/powerpoint/2010/main" val="3897846224"/>
+      </p:ext>
+    </p:extLst>
+  </p:cSld>
+  <p:clrMapOvr>
+    <a:masterClrMapping/>
+  </p:clrMapOvr>
+  <p:timing>
+    <p:tnLst>
+      <p:par>
+        <p:cTn id="1" dur="indefinite" restart="never" nodeType="tmRoot"/>
+      </p:par>
+    </p:tnLst>
+  </p:timing>
+</p:sld>
+</file>
+
+<file path=ppt/slides/slide29.xml><?xml version="1.0" encoding="utf-8"?>
 <p:sld xmlns:a="http://schemas.openxmlformats.org/drawingml/2006/main" xmlns:r="http://schemas.openxmlformats.org/officeDocument/2006/relationships" xmlns:p="http://schemas.openxmlformats.org/presentationml/2006/main">
   <p:cSld>
     <p:spTree>
@@ -7279,6 +11247,935 @@
       </p:transition>
     </mc:Fallback>
   </mc:AlternateContent>
+  <p:timing>
+    <p:tnLst>
+      <p:par>
+        <p:cTn id="1" dur="indefinite" restart="never" nodeType="tmRoot"/>
+      </p:par>
+    </p:tnLst>
+  </p:timing>
+</p:sld>
+</file>
+
+<file path=ppt/slides/slide3.xml><?xml version="1.0" encoding="utf-8"?>
+<p:sld xmlns:a="http://schemas.openxmlformats.org/drawingml/2006/main" xmlns:r="http://schemas.openxmlformats.org/officeDocument/2006/relationships" xmlns:p="http://schemas.openxmlformats.org/presentationml/2006/main">
+  <p:cSld>
+    <p:spTree>
+      <p:nvGrpSpPr>
+        <p:cNvPr id="1" name=""/>
+        <p:cNvGrpSpPr/>
+        <p:nvPr/>
+      </p:nvGrpSpPr>
+      <p:grpSpPr>
+        <a:xfrm>
+          <a:off x="0" y="0"/>
+          <a:ext cx="0" cy="0"/>
+          <a:chOff x="0" y="0"/>
+          <a:chExt cx="0" cy="0"/>
+        </a:xfrm>
+      </p:grpSpPr>
+      <p:sp>
+        <p:nvSpPr>
+          <p:cNvPr id="2" name="Titel 1"/>
+          <p:cNvSpPr>
+            <a:spLocks noGrp="1"/>
+          </p:cNvSpPr>
+          <p:nvPr>
+            <p:ph type="title"/>
+          </p:nvPr>
+        </p:nvSpPr>
+        <p:spPr/>
+        <p:txBody>
+          <a:bodyPr/>
+          <a:lstStyle/>
+          <a:p>
+            <a:r>
+              <a:rPr lang="de-DE" dirty="0" smtClean="0"/>
+              <a:t>Oberfläche und Parameter</a:t>
+            </a:r>
+            <a:endParaRPr lang="en-GB" dirty="0"/>
+          </a:p>
+        </p:txBody>
+      </p:sp>
+      <p:sp>
+        <p:nvSpPr>
+          <p:cNvPr id="3" name="Textplatzhalter 2"/>
+          <p:cNvSpPr>
+            <a:spLocks noGrp="1"/>
+          </p:cNvSpPr>
+          <p:nvPr>
+            <p:ph type="body" idx="1"/>
+          </p:nvPr>
+        </p:nvSpPr>
+        <p:spPr/>
+        <p:txBody>
+          <a:bodyPr/>
+          <a:lstStyle/>
+          <a:p>
+            <a:endParaRPr lang="en-GB" dirty="0"/>
+          </a:p>
+        </p:txBody>
+      </p:sp>
+      <p:pic>
+        <p:nvPicPr>
+          <p:cNvPr id="4" name="Grafik 3"/>
+          <p:cNvPicPr>
+            <a:picLocks noChangeAspect="1"/>
+          </p:cNvPicPr>
+          <p:nvPr/>
+        </p:nvPicPr>
+        <p:blipFill>
+          <a:blip r:embed="rId2">
+            <a:extLst>
+              <a:ext uri="{28A0092B-C50C-407E-A947-70E740481C1C}">
+                <a14:useLocalDpi xmlns:a14="http://schemas.microsoft.com/office/drawing/2010/main" val="0"/>
+              </a:ext>
+            </a:extLst>
+          </a:blip>
+          <a:stretch>
+            <a:fillRect/>
+          </a:stretch>
+        </p:blipFill>
+        <p:spPr>
+          <a:xfrm>
+            <a:off x="470256" y="1733409"/>
+            <a:ext cx="8261143" cy="4647919"/>
+          </a:xfrm>
+          <a:prstGeom prst="rect">
+            <a:avLst/>
+          </a:prstGeom>
+        </p:spPr>
+      </p:pic>
+      <p:sp>
+        <p:nvSpPr>
+          <p:cNvPr id="5" name="Rechteck 4"/>
+          <p:cNvSpPr/>
+          <p:nvPr/>
+        </p:nvSpPr>
+        <p:spPr>
+          <a:xfrm>
+            <a:off x="683568" y="2420888"/>
+            <a:ext cx="864096" cy="216024"/>
+          </a:xfrm>
+          <a:prstGeom prst="rect">
+            <a:avLst/>
+          </a:prstGeom>
+          <a:noFill/>
+          <a:ln>
+            <a:solidFill>
+              <a:srgbClr val="FF0000"/>
+            </a:solidFill>
+          </a:ln>
+        </p:spPr>
+        <p:style>
+          <a:lnRef idx="2">
+            <a:schemeClr val="accent2"/>
+          </a:lnRef>
+          <a:fillRef idx="1">
+            <a:schemeClr val="lt1"/>
+          </a:fillRef>
+          <a:effectRef idx="0">
+            <a:schemeClr val="accent2"/>
+          </a:effectRef>
+          <a:fontRef idx="minor">
+            <a:schemeClr val="dk1"/>
+          </a:fontRef>
+        </p:style>
+        <p:txBody>
+          <a:bodyPr rtlCol="0" anchor="ctr"/>
+          <a:lstStyle/>
+          <a:p>
+            <a:pPr algn="ctr"/>
+            <a:endParaRPr lang="en-GB"/>
+          </a:p>
+        </p:txBody>
+      </p:sp>
+    </p:spTree>
+    <p:extLst>
+      <p:ext uri="{BB962C8B-B14F-4D97-AF65-F5344CB8AC3E}">
+        <p14:creationId xmlns:p14="http://schemas.microsoft.com/office/powerpoint/2010/main" val="1163109057"/>
+      </p:ext>
+    </p:extLst>
+  </p:cSld>
+  <p:clrMapOvr>
+    <a:masterClrMapping/>
+  </p:clrMapOvr>
+  <p:timing>
+    <p:tnLst>
+      <p:par>
+        <p:cTn id="1" dur="indefinite" restart="never" nodeType="tmRoot"/>
+      </p:par>
+    </p:tnLst>
+  </p:timing>
+</p:sld>
+</file>
+
+<file path=ppt/slides/slide4.xml><?xml version="1.0" encoding="utf-8"?>
+<p:sld xmlns:a="http://schemas.openxmlformats.org/drawingml/2006/main" xmlns:r="http://schemas.openxmlformats.org/officeDocument/2006/relationships" xmlns:p="http://schemas.openxmlformats.org/presentationml/2006/main">
+  <p:cSld>
+    <p:spTree>
+      <p:nvGrpSpPr>
+        <p:cNvPr id="1" name=""/>
+        <p:cNvGrpSpPr/>
+        <p:nvPr/>
+      </p:nvGrpSpPr>
+      <p:grpSpPr>
+        <a:xfrm>
+          <a:off x="0" y="0"/>
+          <a:ext cx="0" cy="0"/>
+          <a:chOff x="0" y="0"/>
+          <a:chExt cx="0" cy="0"/>
+        </a:xfrm>
+      </p:grpSpPr>
+      <p:sp>
+        <p:nvSpPr>
+          <p:cNvPr id="2" name="Titel 1"/>
+          <p:cNvSpPr>
+            <a:spLocks noGrp="1"/>
+          </p:cNvSpPr>
+          <p:nvPr>
+            <p:ph type="title"/>
+          </p:nvPr>
+        </p:nvSpPr>
+        <p:spPr/>
+        <p:txBody>
+          <a:bodyPr/>
+          <a:lstStyle/>
+          <a:p>
+            <a:r>
+              <a:rPr lang="de-DE" dirty="0" smtClean="0"/>
+              <a:t>Größe der Elterngeneration</a:t>
+            </a:r>
+            <a:endParaRPr lang="en-GB" dirty="0"/>
+          </a:p>
+        </p:txBody>
+      </p:sp>
+      <p:sp>
+        <p:nvSpPr>
+          <p:cNvPr id="3" name="Textplatzhalter 2"/>
+          <p:cNvSpPr>
+            <a:spLocks noGrp="1"/>
+          </p:cNvSpPr>
+          <p:nvPr>
+            <p:ph type="body" idx="1"/>
+          </p:nvPr>
+        </p:nvSpPr>
+        <p:spPr/>
+        <p:txBody>
+          <a:bodyPr/>
+          <a:lstStyle/>
+          <a:p>
+            <a:r>
+              <a:rPr lang="de-DE" dirty="0" smtClean="0"/>
+              <a:t>Untersuchte Werte: 50 und 100</a:t>
+            </a:r>
+          </a:p>
+          <a:p>
+            <a:r>
+              <a:rPr lang="de-DE" dirty="0" smtClean="0"/>
+              <a:t>Tests ergaben: </a:t>
+            </a:r>
+          </a:p>
+          <a:p>
+            <a:pPr lvl="1"/>
+            <a:r>
+              <a:rPr lang="de-DE" dirty="0" smtClean="0"/>
+              <a:t>je größer die Anfangspopulation desto größer die Zahl der Individuen die das Optimum erreichen</a:t>
+            </a:r>
+          </a:p>
+          <a:p>
+            <a:pPr lvl="1">
+              <a:buFont typeface="Wingdings" pitchFamily="2" charset="2"/>
+              <a:buChar char=""/>
+            </a:pPr>
+            <a:r>
+              <a:rPr lang="de-DE" dirty="0" smtClean="0"/>
+              <a:t>Größere Anfangspopulation steigert Wahrscheinlichkeit das Optimum zu erreichen</a:t>
+            </a:r>
+          </a:p>
+          <a:p>
+            <a:endParaRPr lang="en-GB" dirty="0"/>
+          </a:p>
+        </p:txBody>
+      </p:sp>
+    </p:spTree>
+    <p:extLst>
+      <p:ext uri="{BB962C8B-B14F-4D97-AF65-F5344CB8AC3E}">
+        <p14:creationId xmlns:p14="http://schemas.microsoft.com/office/powerpoint/2010/main" val="4142233293"/>
+      </p:ext>
+    </p:extLst>
+  </p:cSld>
+  <p:clrMapOvr>
+    <a:masterClrMapping/>
+  </p:clrMapOvr>
+  <p:timing>
+    <p:tnLst>
+      <p:par>
+        <p:cTn id="1" dur="indefinite" restart="never" nodeType="tmRoot"/>
+      </p:par>
+    </p:tnLst>
+  </p:timing>
+</p:sld>
+</file>
+
+<file path=ppt/slides/slide5.xml><?xml version="1.0" encoding="utf-8"?>
+<p:sld xmlns:a="http://schemas.openxmlformats.org/drawingml/2006/main" xmlns:r="http://schemas.openxmlformats.org/officeDocument/2006/relationships" xmlns:p="http://schemas.openxmlformats.org/presentationml/2006/main">
+  <p:cSld>
+    <p:spTree>
+      <p:nvGrpSpPr>
+        <p:cNvPr id="1" name=""/>
+        <p:cNvGrpSpPr/>
+        <p:nvPr/>
+      </p:nvGrpSpPr>
+      <p:grpSpPr>
+        <a:xfrm>
+          <a:off x="0" y="0"/>
+          <a:ext cx="0" cy="0"/>
+          <a:chOff x="0" y="0"/>
+          <a:chExt cx="0" cy="0"/>
+        </a:xfrm>
+      </p:grpSpPr>
+      <p:sp>
+        <p:nvSpPr>
+          <p:cNvPr id="2" name="Titel 1"/>
+          <p:cNvSpPr>
+            <a:spLocks noGrp="1"/>
+          </p:cNvSpPr>
+          <p:nvPr>
+            <p:ph type="title"/>
+          </p:nvPr>
+        </p:nvSpPr>
+        <p:spPr/>
+        <p:txBody>
+          <a:bodyPr/>
+          <a:lstStyle/>
+          <a:p>
+            <a:r>
+              <a:rPr lang="de-DE" dirty="0"/>
+              <a:t>Oberfläche und Parameter</a:t>
+            </a:r>
+            <a:endParaRPr lang="en-GB" dirty="0"/>
+          </a:p>
+        </p:txBody>
+      </p:sp>
+      <p:sp>
+        <p:nvSpPr>
+          <p:cNvPr id="3" name="Textplatzhalter 2"/>
+          <p:cNvSpPr>
+            <a:spLocks noGrp="1"/>
+          </p:cNvSpPr>
+          <p:nvPr>
+            <p:ph type="body" idx="1"/>
+          </p:nvPr>
+        </p:nvSpPr>
+        <p:spPr/>
+        <p:txBody>
+          <a:bodyPr/>
+          <a:lstStyle/>
+          <a:p>
+            <a:endParaRPr lang="en-GB" dirty="0"/>
+          </a:p>
+        </p:txBody>
+      </p:sp>
+      <p:pic>
+        <p:nvPicPr>
+          <p:cNvPr id="4" name="Grafik 3"/>
+          <p:cNvPicPr>
+            <a:picLocks noChangeAspect="1"/>
+          </p:cNvPicPr>
+          <p:nvPr/>
+        </p:nvPicPr>
+        <p:blipFill>
+          <a:blip r:embed="rId2">
+            <a:extLst>
+              <a:ext uri="{28A0092B-C50C-407E-A947-70E740481C1C}">
+                <a14:useLocalDpi xmlns:a14="http://schemas.microsoft.com/office/drawing/2010/main" val="0"/>
+              </a:ext>
+            </a:extLst>
+          </a:blip>
+          <a:stretch>
+            <a:fillRect/>
+          </a:stretch>
+        </p:blipFill>
+        <p:spPr>
+          <a:xfrm>
+            <a:off x="470256" y="1733409"/>
+            <a:ext cx="8261143" cy="4647919"/>
+          </a:xfrm>
+          <a:prstGeom prst="rect">
+            <a:avLst/>
+          </a:prstGeom>
+        </p:spPr>
+      </p:pic>
+      <p:sp>
+        <p:nvSpPr>
+          <p:cNvPr id="5" name="Rechteck 4"/>
+          <p:cNvSpPr/>
+          <p:nvPr/>
+        </p:nvSpPr>
+        <p:spPr>
+          <a:xfrm>
+            <a:off x="1547664" y="2422426"/>
+            <a:ext cx="864096" cy="216024"/>
+          </a:xfrm>
+          <a:prstGeom prst="rect">
+            <a:avLst/>
+          </a:prstGeom>
+          <a:noFill/>
+          <a:ln>
+            <a:solidFill>
+              <a:srgbClr val="FF0000"/>
+            </a:solidFill>
+          </a:ln>
+        </p:spPr>
+        <p:style>
+          <a:lnRef idx="2">
+            <a:schemeClr val="accent2"/>
+          </a:lnRef>
+          <a:fillRef idx="1">
+            <a:schemeClr val="lt1"/>
+          </a:fillRef>
+          <a:effectRef idx="0">
+            <a:schemeClr val="accent2"/>
+          </a:effectRef>
+          <a:fontRef idx="minor">
+            <a:schemeClr val="dk1"/>
+          </a:fontRef>
+        </p:style>
+        <p:txBody>
+          <a:bodyPr rtlCol="0" anchor="ctr"/>
+          <a:lstStyle/>
+          <a:p>
+            <a:pPr algn="ctr"/>
+            <a:endParaRPr lang="en-GB"/>
+          </a:p>
+        </p:txBody>
+      </p:sp>
+    </p:spTree>
+    <p:extLst>
+      <p:ext uri="{BB962C8B-B14F-4D97-AF65-F5344CB8AC3E}">
+        <p14:creationId xmlns:p14="http://schemas.microsoft.com/office/powerpoint/2010/main" val="2707532252"/>
+      </p:ext>
+    </p:extLst>
+  </p:cSld>
+  <p:clrMapOvr>
+    <a:masterClrMapping/>
+  </p:clrMapOvr>
+  <p:timing>
+    <p:tnLst>
+      <p:par>
+        <p:cTn id="1" dur="indefinite" restart="never" nodeType="tmRoot"/>
+      </p:par>
+    </p:tnLst>
+  </p:timing>
+</p:sld>
+</file>
+
+<file path=ppt/slides/slide6.xml><?xml version="1.0" encoding="utf-8"?>
+<p:sld xmlns:a="http://schemas.openxmlformats.org/drawingml/2006/main" xmlns:r="http://schemas.openxmlformats.org/officeDocument/2006/relationships" xmlns:p="http://schemas.openxmlformats.org/presentationml/2006/main">
+  <p:cSld>
+    <p:spTree>
+      <p:nvGrpSpPr>
+        <p:cNvPr id="1" name=""/>
+        <p:cNvGrpSpPr/>
+        <p:nvPr/>
+      </p:nvGrpSpPr>
+      <p:grpSpPr>
+        <a:xfrm>
+          <a:off x="0" y="0"/>
+          <a:ext cx="0" cy="0"/>
+          <a:chOff x="0" y="0"/>
+          <a:chExt cx="0" cy="0"/>
+        </a:xfrm>
+      </p:grpSpPr>
+      <p:sp>
+        <p:nvSpPr>
+          <p:cNvPr id="2" name="Titel 1"/>
+          <p:cNvSpPr>
+            <a:spLocks noGrp="1"/>
+          </p:cNvSpPr>
+          <p:nvPr>
+            <p:ph type="title"/>
+          </p:nvPr>
+        </p:nvSpPr>
+        <p:spPr/>
+        <p:txBody>
+          <a:bodyPr/>
+          <a:lstStyle/>
+          <a:p>
+            <a:r>
+              <a:rPr lang="de-DE" dirty="0" smtClean="0"/>
+              <a:t>Intervall</a:t>
+            </a:r>
+            <a:endParaRPr lang="en-GB" dirty="0"/>
+          </a:p>
+        </p:txBody>
+      </p:sp>
+      <p:sp>
+        <p:nvSpPr>
+          <p:cNvPr id="3" name="Textplatzhalter 2"/>
+          <p:cNvSpPr>
+            <a:spLocks noGrp="1"/>
+          </p:cNvSpPr>
+          <p:nvPr>
+            <p:ph type="body" idx="1"/>
+          </p:nvPr>
+        </p:nvSpPr>
+        <p:spPr/>
+        <p:txBody>
+          <a:bodyPr/>
+          <a:lstStyle/>
+          <a:p>
+            <a:r>
+              <a:rPr lang="de-DE" dirty="0" smtClean="0"/>
+              <a:t>Wurde in den Testszenarien immer gleich gewählt </a:t>
+            </a:r>
+            <a:r>
+              <a:rPr lang="en-GB" dirty="0" smtClean="0">
+                <a:sym typeface="Wingdings" pitchFamily="2" charset="2"/>
+              </a:rPr>
+              <a:t> [-20,30]</a:t>
+            </a:r>
+          </a:p>
+          <a:p>
+            <a:r>
+              <a:rPr lang="de-DE" dirty="0" smtClean="0">
+                <a:sym typeface="Wingdings" pitchFamily="2" charset="2"/>
+              </a:rPr>
+              <a:t>Normalfall: je nach Problem individuell eingestellt</a:t>
+            </a:r>
+            <a:endParaRPr lang="de-DE" dirty="0" smtClean="0"/>
+          </a:p>
+        </p:txBody>
+      </p:sp>
+    </p:spTree>
+    <p:extLst>
+      <p:ext uri="{BB962C8B-B14F-4D97-AF65-F5344CB8AC3E}">
+        <p14:creationId xmlns:p14="http://schemas.microsoft.com/office/powerpoint/2010/main" val="2186798129"/>
+      </p:ext>
+    </p:extLst>
+  </p:cSld>
+  <p:clrMapOvr>
+    <a:masterClrMapping/>
+  </p:clrMapOvr>
+  <p:timing>
+    <p:tnLst>
+      <p:par>
+        <p:cTn id="1" dur="indefinite" restart="never" nodeType="tmRoot"/>
+      </p:par>
+    </p:tnLst>
+  </p:timing>
+</p:sld>
+</file>
+
+<file path=ppt/slides/slide7.xml><?xml version="1.0" encoding="utf-8"?>
+<p:sld xmlns:a="http://schemas.openxmlformats.org/drawingml/2006/main" xmlns:r="http://schemas.openxmlformats.org/officeDocument/2006/relationships" xmlns:p="http://schemas.openxmlformats.org/presentationml/2006/main">
+  <p:cSld>
+    <p:spTree>
+      <p:nvGrpSpPr>
+        <p:cNvPr id="1" name=""/>
+        <p:cNvGrpSpPr/>
+        <p:nvPr/>
+      </p:nvGrpSpPr>
+      <p:grpSpPr>
+        <a:xfrm>
+          <a:off x="0" y="0"/>
+          <a:ext cx="0" cy="0"/>
+          <a:chOff x="0" y="0"/>
+          <a:chExt cx="0" cy="0"/>
+        </a:xfrm>
+      </p:grpSpPr>
+      <p:sp>
+        <p:nvSpPr>
+          <p:cNvPr id="2" name="Titel 1"/>
+          <p:cNvSpPr>
+            <a:spLocks noGrp="1"/>
+          </p:cNvSpPr>
+          <p:nvPr>
+            <p:ph type="title"/>
+          </p:nvPr>
+        </p:nvSpPr>
+        <p:spPr/>
+        <p:txBody>
+          <a:bodyPr/>
+          <a:lstStyle/>
+          <a:p>
+            <a:r>
+              <a:rPr lang="de-DE" dirty="0"/>
+              <a:t>Oberfläche und Parameter</a:t>
+            </a:r>
+            <a:endParaRPr lang="en-GB" dirty="0"/>
+          </a:p>
+        </p:txBody>
+      </p:sp>
+      <p:sp>
+        <p:nvSpPr>
+          <p:cNvPr id="3" name="Textplatzhalter 2"/>
+          <p:cNvSpPr>
+            <a:spLocks noGrp="1"/>
+          </p:cNvSpPr>
+          <p:nvPr>
+            <p:ph type="body" idx="1"/>
+          </p:nvPr>
+        </p:nvSpPr>
+        <p:spPr/>
+        <p:txBody>
+          <a:bodyPr/>
+          <a:lstStyle/>
+          <a:p>
+            <a:endParaRPr lang="en-GB" dirty="0"/>
+          </a:p>
+        </p:txBody>
+      </p:sp>
+      <p:pic>
+        <p:nvPicPr>
+          <p:cNvPr id="4" name="Grafik 3"/>
+          <p:cNvPicPr>
+            <a:picLocks noChangeAspect="1"/>
+          </p:cNvPicPr>
+          <p:nvPr/>
+        </p:nvPicPr>
+        <p:blipFill>
+          <a:blip r:embed="rId2">
+            <a:extLst>
+              <a:ext uri="{28A0092B-C50C-407E-A947-70E740481C1C}">
+                <a14:useLocalDpi xmlns:a14="http://schemas.microsoft.com/office/drawing/2010/main" val="0"/>
+              </a:ext>
+            </a:extLst>
+          </a:blip>
+          <a:stretch>
+            <a:fillRect/>
+          </a:stretch>
+        </p:blipFill>
+        <p:spPr>
+          <a:xfrm>
+            <a:off x="470256" y="1733409"/>
+            <a:ext cx="8261143" cy="4647919"/>
+          </a:xfrm>
+          <a:prstGeom prst="rect">
+            <a:avLst/>
+          </a:prstGeom>
+        </p:spPr>
+      </p:pic>
+      <p:sp>
+        <p:nvSpPr>
+          <p:cNvPr id="5" name="Rechteck 4"/>
+          <p:cNvSpPr/>
+          <p:nvPr/>
+        </p:nvSpPr>
+        <p:spPr>
+          <a:xfrm>
+            <a:off x="1547664" y="2644800"/>
+            <a:ext cx="1584176" cy="142478"/>
+          </a:xfrm>
+          <a:prstGeom prst="rect">
+            <a:avLst/>
+          </a:prstGeom>
+          <a:noFill/>
+          <a:ln>
+            <a:solidFill>
+              <a:srgbClr val="FF0000"/>
+            </a:solidFill>
+          </a:ln>
+        </p:spPr>
+        <p:style>
+          <a:lnRef idx="2">
+            <a:schemeClr val="accent2"/>
+          </a:lnRef>
+          <a:fillRef idx="1">
+            <a:schemeClr val="lt1"/>
+          </a:fillRef>
+          <a:effectRef idx="0">
+            <a:schemeClr val="accent2"/>
+          </a:effectRef>
+          <a:fontRef idx="minor">
+            <a:schemeClr val="dk1"/>
+          </a:fontRef>
+        </p:style>
+        <p:txBody>
+          <a:bodyPr rtlCol="0" anchor="ctr"/>
+          <a:lstStyle/>
+          <a:p>
+            <a:pPr algn="ctr"/>
+            <a:endParaRPr lang="en-GB"/>
+          </a:p>
+        </p:txBody>
+      </p:sp>
+    </p:spTree>
+    <p:extLst>
+      <p:ext uri="{BB962C8B-B14F-4D97-AF65-F5344CB8AC3E}">
+        <p14:creationId xmlns:p14="http://schemas.microsoft.com/office/powerpoint/2010/main" val="1299701808"/>
+      </p:ext>
+    </p:extLst>
+  </p:cSld>
+  <p:clrMapOvr>
+    <a:masterClrMapping/>
+  </p:clrMapOvr>
+  <p:timing>
+    <p:tnLst>
+      <p:par>
+        <p:cTn id="1" dur="indefinite" restart="never" nodeType="tmRoot"/>
+      </p:par>
+    </p:tnLst>
+  </p:timing>
+</p:sld>
+</file>
+
+<file path=ppt/slides/slide8.xml><?xml version="1.0" encoding="utf-8"?>
+<p:sld xmlns:a="http://schemas.openxmlformats.org/drawingml/2006/main" xmlns:r="http://schemas.openxmlformats.org/officeDocument/2006/relationships" xmlns:p="http://schemas.openxmlformats.org/presentationml/2006/main">
+  <p:cSld>
+    <p:spTree>
+      <p:nvGrpSpPr>
+        <p:cNvPr id="1" name=""/>
+        <p:cNvGrpSpPr/>
+        <p:nvPr/>
+      </p:nvGrpSpPr>
+      <p:grpSpPr>
+        <a:xfrm>
+          <a:off x="0" y="0"/>
+          <a:ext cx="0" cy="0"/>
+          <a:chOff x="0" y="0"/>
+          <a:chExt cx="0" cy="0"/>
+        </a:xfrm>
+      </p:grpSpPr>
+      <p:sp>
+        <p:nvSpPr>
+          <p:cNvPr id="2" name="Titel 1"/>
+          <p:cNvSpPr>
+            <a:spLocks noGrp="1"/>
+          </p:cNvSpPr>
+          <p:nvPr>
+            <p:ph type="title"/>
+          </p:nvPr>
+        </p:nvSpPr>
+        <p:spPr/>
+        <p:txBody>
+          <a:bodyPr/>
+          <a:lstStyle/>
+          <a:p>
+            <a:r>
+              <a:rPr lang="de-DE" dirty="0"/>
+              <a:t>Oberfläche und Parameter</a:t>
+            </a:r>
+            <a:endParaRPr lang="en-GB" dirty="0"/>
+          </a:p>
+        </p:txBody>
+      </p:sp>
+      <p:sp>
+        <p:nvSpPr>
+          <p:cNvPr id="3" name="Textplatzhalter 2"/>
+          <p:cNvSpPr>
+            <a:spLocks noGrp="1"/>
+          </p:cNvSpPr>
+          <p:nvPr>
+            <p:ph type="body" idx="1"/>
+          </p:nvPr>
+        </p:nvSpPr>
+        <p:spPr/>
+        <p:txBody>
+          <a:bodyPr/>
+          <a:lstStyle/>
+          <a:p>
+            <a:endParaRPr lang="en-GB" dirty="0"/>
+          </a:p>
+        </p:txBody>
+      </p:sp>
+      <p:pic>
+        <p:nvPicPr>
+          <p:cNvPr id="4" name="Grafik 3"/>
+          <p:cNvPicPr>
+            <a:picLocks noChangeAspect="1"/>
+          </p:cNvPicPr>
+          <p:nvPr/>
+        </p:nvPicPr>
+        <p:blipFill>
+          <a:blip r:embed="rId2">
+            <a:extLst>
+              <a:ext uri="{28A0092B-C50C-407E-A947-70E740481C1C}">
+                <a14:useLocalDpi xmlns:a14="http://schemas.microsoft.com/office/drawing/2010/main" val="0"/>
+              </a:ext>
+            </a:extLst>
+          </a:blip>
+          <a:stretch>
+            <a:fillRect/>
+          </a:stretch>
+        </p:blipFill>
+        <p:spPr>
+          <a:xfrm>
+            <a:off x="470256" y="1733409"/>
+            <a:ext cx="8261143" cy="4647919"/>
+          </a:xfrm>
+          <a:prstGeom prst="rect">
+            <a:avLst/>
+          </a:prstGeom>
+        </p:spPr>
+      </p:pic>
+      <p:sp>
+        <p:nvSpPr>
+          <p:cNvPr id="5" name="Rechteck 4"/>
+          <p:cNvSpPr/>
+          <p:nvPr/>
+        </p:nvSpPr>
+        <p:spPr>
+          <a:xfrm>
+            <a:off x="2411760" y="2422426"/>
+            <a:ext cx="864096" cy="216024"/>
+          </a:xfrm>
+          <a:prstGeom prst="rect">
+            <a:avLst/>
+          </a:prstGeom>
+          <a:noFill/>
+          <a:ln>
+            <a:solidFill>
+              <a:srgbClr val="FF0000"/>
+            </a:solidFill>
+          </a:ln>
+        </p:spPr>
+        <p:style>
+          <a:lnRef idx="2">
+            <a:schemeClr val="accent2"/>
+          </a:lnRef>
+          <a:fillRef idx="1">
+            <a:schemeClr val="lt1"/>
+          </a:fillRef>
+          <a:effectRef idx="0">
+            <a:schemeClr val="accent2"/>
+          </a:effectRef>
+          <a:fontRef idx="minor">
+            <a:schemeClr val="dk1"/>
+          </a:fontRef>
+        </p:style>
+        <p:txBody>
+          <a:bodyPr rtlCol="0" anchor="ctr"/>
+          <a:lstStyle/>
+          <a:p>
+            <a:pPr algn="ctr"/>
+            <a:endParaRPr lang="en-GB"/>
+          </a:p>
+        </p:txBody>
+      </p:sp>
+    </p:spTree>
+    <p:extLst>
+      <p:ext uri="{BB962C8B-B14F-4D97-AF65-F5344CB8AC3E}">
+        <p14:creationId xmlns:p14="http://schemas.microsoft.com/office/powerpoint/2010/main" val="4152953390"/>
+      </p:ext>
+    </p:extLst>
+  </p:cSld>
+  <p:clrMapOvr>
+    <a:masterClrMapping/>
+  </p:clrMapOvr>
+  <p:timing>
+    <p:tnLst>
+      <p:par>
+        <p:cTn id="1" dur="indefinite" restart="never" nodeType="tmRoot"/>
+      </p:par>
+    </p:tnLst>
+  </p:timing>
+</p:sld>
+</file>
+
+<file path=ppt/slides/slide9.xml><?xml version="1.0" encoding="utf-8"?>
+<p:sld xmlns:a="http://schemas.openxmlformats.org/drawingml/2006/main" xmlns:r="http://schemas.openxmlformats.org/officeDocument/2006/relationships" xmlns:p="http://schemas.openxmlformats.org/presentationml/2006/main">
+  <p:cSld>
+    <p:spTree>
+      <p:nvGrpSpPr>
+        <p:cNvPr id="1" name=""/>
+        <p:cNvGrpSpPr/>
+        <p:nvPr/>
+      </p:nvGrpSpPr>
+      <p:grpSpPr>
+        <a:xfrm>
+          <a:off x="0" y="0"/>
+          <a:ext cx="0" cy="0"/>
+          <a:chOff x="0" y="0"/>
+          <a:chExt cx="0" cy="0"/>
+        </a:xfrm>
+      </p:grpSpPr>
+      <p:sp>
+        <p:nvSpPr>
+          <p:cNvPr id="2" name="Titel 1"/>
+          <p:cNvSpPr>
+            <a:spLocks noGrp="1"/>
+          </p:cNvSpPr>
+          <p:nvPr>
+            <p:ph type="title"/>
+          </p:nvPr>
+        </p:nvSpPr>
+        <p:spPr/>
+        <p:txBody>
+          <a:bodyPr/>
+          <a:lstStyle/>
+          <a:p>
+            <a:r>
+              <a:rPr lang="de-DE" dirty="0" smtClean="0"/>
+              <a:t>Anzahl der Gene</a:t>
+            </a:r>
+            <a:endParaRPr lang="en-GB" dirty="0"/>
+          </a:p>
+        </p:txBody>
+      </p:sp>
+      <p:sp>
+        <p:nvSpPr>
+          <p:cNvPr id="3" name="Textplatzhalter 2"/>
+          <p:cNvSpPr>
+            <a:spLocks noGrp="1"/>
+          </p:cNvSpPr>
+          <p:nvPr>
+            <p:ph type="body" idx="1"/>
+          </p:nvPr>
+        </p:nvSpPr>
+        <p:spPr/>
+        <p:txBody>
+          <a:bodyPr/>
+          <a:lstStyle/>
+          <a:p>
+            <a:r>
+              <a:rPr lang="de-DE" dirty="0" smtClean="0"/>
+              <a:t>Je nach Problem individuell einstellbare Anzahl von Genen</a:t>
+            </a:r>
+          </a:p>
+          <a:p>
+            <a:r>
+              <a:rPr lang="de-DE" dirty="0" smtClean="0"/>
+              <a:t>Gene </a:t>
+            </a:r>
+            <a:r>
+              <a:rPr lang="en-GB" dirty="0" smtClean="0"/>
+              <a:t>≙ n</a:t>
+            </a:r>
+          </a:p>
+          <a:p>
+            <a:r>
+              <a:rPr lang="de-DE" dirty="0" smtClean="0"/>
+              <a:t>Untersucht wurden: n = 3 und n = 12</a:t>
+            </a:r>
+          </a:p>
+          <a:p>
+            <a:r>
+              <a:rPr lang="de-DE" dirty="0" smtClean="0"/>
+              <a:t>Tests ergaben:</a:t>
+            </a:r>
+          </a:p>
+          <a:p>
+            <a:pPr lvl="1"/>
+            <a:r>
+              <a:rPr lang="de-DE" dirty="0" smtClean="0"/>
+              <a:t>mit steigendem n steigt die Anzahl der Generationen die benötigt werden bis sich ein Optimum einstellt</a:t>
+            </a:r>
+            <a:endParaRPr lang="en-GB" dirty="0"/>
+          </a:p>
+        </p:txBody>
+      </p:sp>
+    </p:spTree>
+    <p:extLst>
+      <p:ext uri="{BB962C8B-B14F-4D97-AF65-F5344CB8AC3E}">
+        <p14:creationId xmlns:p14="http://schemas.microsoft.com/office/powerpoint/2010/main" val="1673433102"/>
+      </p:ext>
+    </p:extLst>
+  </p:cSld>
+  <p:clrMapOvr>
+    <a:masterClrMapping/>
+  </p:clrMapOvr>
   <p:timing>
     <p:tnLst>
       <p:par>

--- a/evolotionaereAlgorithmen/trunk/SystemOfEquations/Ergebnisse/Präsi/UI.pptx
+++ b/evolotionaereAlgorithmen/trunk/SystemOfEquations/Ergebnisse/Präsi/UI.pptx
@@ -6,7 +6,7 @@
     <p:sldMasterId id="2147483661" r:id="rId2"/>
   </p:sldMasterIdLst>
   <p:notesMasterIdLst>
-    <p:notesMasterId r:id="rId32"/>
+    <p:notesMasterId r:id="rId33"/>
   </p:notesMasterIdLst>
   <p:sldIdLst>
     <p:sldId id="256" r:id="rId3"/>
@@ -37,7 +37,8 @@
     <p:sldId id="281" r:id="rId28"/>
     <p:sldId id="282" r:id="rId29"/>
     <p:sldId id="283" r:id="rId30"/>
-    <p:sldId id="264" r:id="rId31"/>
+    <p:sldId id="293" r:id="rId31"/>
+    <p:sldId id="264" r:id="rId32"/>
   </p:sldIdLst>
   <p:sldSz cx="9144000" cy="6858000" type="screen4x3"/>
   <p:notesSz cx="6858000" cy="9144000"/>
@@ -7456,8 +7457,8 @@
           </a:p>
         </p:txBody>
       </p:sp>
-      <mc:AlternateContent xmlns:mc="http://schemas.openxmlformats.org/markup-compatibility/2006">
-        <mc:Choice xmlns:a14="http://schemas.microsoft.com/office/drawing/2010/main" Requires="a14">
+      <mc:AlternateContent xmlns:mc="http://schemas.openxmlformats.org/markup-compatibility/2006" xmlns:a14="http://schemas.microsoft.com/office/drawing/2010/main">
+        <mc:Choice Requires="a14">
           <p:sp>
             <p:nvSpPr>
               <p:cNvPr id="3" name="Textplatzhalter 2"/>
@@ -7730,7 +7731,7 @@
                       <a:rPr lang="de-DE" sz="1550" b="0" i="0" smtClean="0">
                         <a:latin typeface="Cambria Math"/>
                       </a:rPr>
-                      <m:t>-8</m:t>
+                      <m:t>−8</m:t>
                     </m:r>
                     <m:r>
                       <a:rPr lang="de-DE" sz="1550" b="0" i="1" smtClean="0">
@@ -8399,7 +8400,7 @@
             </p:txBody>
           </p:sp>
         </mc:Choice>
-        <mc:Fallback>
+        <mc:Fallback xmlns="">
           <p:sp>
             <p:nvSpPr>
               <p:cNvPr id="3" name="Textplatzhalter 2"/>
@@ -9237,8 +9238,8 @@
           </a:p>
         </p:txBody>
       </p:sp>
-      <mc:AlternateContent xmlns:mc="http://schemas.openxmlformats.org/markup-compatibility/2006">
-        <mc:Choice xmlns:a14="http://schemas.microsoft.com/office/drawing/2010/main" Requires="a14">
+      <mc:AlternateContent xmlns:mc="http://schemas.openxmlformats.org/markup-compatibility/2006" xmlns:a14="http://schemas.microsoft.com/office/drawing/2010/main">
+        <mc:Choice Requires="a14">
           <p:sp>
             <p:nvSpPr>
               <p:cNvPr id="3" name="Textplatzhalter 2"/>
@@ -9375,7 +9376,7 @@
             </p:txBody>
           </p:sp>
         </mc:Choice>
-        <mc:Fallback>
+        <mc:Fallback xmlns="">
           <p:sp>
             <p:nvSpPr>
               <p:cNvPr id="3" name="Textplatzhalter 2"/>
@@ -11148,7 +11149,7 @@
   <p:cSld>
     <p:spTree>
       <p:nvGrpSpPr>
-        <p:cNvPr id="1" name="Shape 109"/>
+        <p:cNvPr id="1" name=""/>
         <p:cNvGrpSpPr/>
         <p:nvPr/>
       </p:nvGrpSpPr>
@@ -11160,93 +11161,45 @@
           <a:chExt cx="0" cy="0"/>
         </a:xfrm>
       </p:grpSpPr>
-      <p:sp>
-        <p:nvSpPr>
-          <p:cNvPr id="110" name="Shape 110"/>
-          <p:cNvSpPr txBox="1">
-            <a:spLocks noGrp="1"/>
-          </p:cNvSpPr>
-          <p:nvPr>
-            <p:ph type="title"/>
-          </p:nvPr>
-        </p:nvSpPr>
+      <p:pic>
+        <p:nvPicPr>
+          <p:cNvPr id="2" name="Grafik 1"/>
+          <p:cNvPicPr>
+            <a:picLocks noChangeAspect="1"/>
+          </p:cNvPicPr>
+          <p:nvPr/>
+        </p:nvPicPr>
+        <p:blipFill rotWithShape="1">
+          <a:blip r:embed="rId2">
+            <a:extLst>
+              <a:ext uri="{28A0092B-C50C-407E-A947-70E740481C1C}">
+                <a14:useLocalDpi xmlns:a14="http://schemas.microsoft.com/office/drawing/2010/main" val="0"/>
+              </a:ext>
+            </a:extLst>
+          </a:blip>
+          <a:srcRect b="4000"/>
+          <a:stretch/>
+        </p:blipFill>
         <p:spPr>
           <a:xfrm>
-            <a:off x="457200" y="384487"/>
-            <a:ext cx="8229600" cy="923299"/>
+            <a:off x="0" y="571500"/>
+            <a:ext cx="9144000" cy="5486400"/>
           </a:xfrm>
           <a:prstGeom prst="rect">
             <a:avLst/>
           </a:prstGeom>
         </p:spPr>
-        <p:txBody>
-          <a:bodyPr lIns="91425" tIns="91425" rIns="91425" bIns="91425" anchor="ctr" anchorCtr="0">
-            <a:spAutoFit/>
-          </a:bodyPr>
-          <a:lstStyle/>
-          <a:p>
-            <a:r>
-              <a:rPr lang="de-DE" dirty="0" smtClean="0"/>
-              <a:t>Quellen</a:t>
-            </a:r>
-            <a:endParaRPr dirty="0"/>
-          </a:p>
-        </p:txBody>
-      </p:sp>
-      <p:sp>
-        <p:nvSpPr>
-          <p:cNvPr id="111" name="Shape 111"/>
-          <p:cNvSpPr txBox="1">
-            <a:spLocks noGrp="1"/>
-          </p:cNvSpPr>
-          <p:nvPr>
-            <p:ph type="body" idx="1"/>
-          </p:nvPr>
-        </p:nvSpPr>
-        <p:spPr>
-          <a:xfrm>
-            <a:off x="457200" y="1600200"/>
-            <a:ext cx="8229600" cy="1107965"/>
-          </a:xfrm>
-          <a:prstGeom prst="rect">
-            <a:avLst/>
-          </a:prstGeom>
-        </p:spPr>
-        <p:txBody>
-          <a:bodyPr lIns="91425" tIns="91425" rIns="91425" bIns="91425" anchor="t" anchorCtr="0">
-            <a:spAutoFit/>
-          </a:bodyPr>
-          <a:lstStyle/>
-          <a:p>
-            <a:r>
-              <a:rPr lang="de-DE" dirty="0"/>
-              <a:t>http://</a:t>
-            </a:r>
-            <a:r>
-              <a:rPr lang="de-DE" dirty="0" smtClean="0"/>
-              <a:t>deap.gel.ulaval.ca/doc/default/api/benchmarks.html [14.08.2012]</a:t>
-            </a:r>
-            <a:endParaRPr dirty="0"/>
-          </a:p>
-        </p:txBody>
-      </p:sp>
+      </p:pic>
     </p:spTree>
+    <p:extLst>
+      <p:ext uri="{BB962C8B-B14F-4D97-AF65-F5344CB8AC3E}">
+        <p14:creationId xmlns:p14="http://schemas.microsoft.com/office/powerpoint/2010/main" val="1775148259"/>
+      </p:ext>
+    </p:extLst>
   </p:cSld>
   <p:clrMapOvr>
     <a:masterClrMapping/>
   </p:clrMapOvr>
-  <mc:AlternateContent xmlns:mc="http://schemas.openxmlformats.org/markup-compatibility/2006" xmlns:p14="http://schemas.microsoft.com/office/powerpoint/2010/main">
-    <mc:Choice Requires="p14">
-      <p:transition spd="med" p14:dur="700">
-        <p:fade/>
-      </p:transition>
-    </mc:Choice>
-    <mc:Fallback xmlns="">
-      <p:transition spd="med">
-        <p:fade/>
-      </p:transition>
-    </mc:Fallback>
-  </mc:AlternateContent>
   <p:timing>
     <p:tnLst>
       <p:par>
@@ -11400,6 +11353,120 @@
   <p:clrMapOvr>
     <a:masterClrMapping/>
   </p:clrMapOvr>
+  <p:timing>
+    <p:tnLst>
+      <p:par>
+        <p:cTn id="1" dur="indefinite" restart="never" nodeType="tmRoot"/>
+      </p:par>
+    </p:tnLst>
+  </p:timing>
+</p:sld>
+</file>
+
+<file path=ppt/slides/slide30.xml><?xml version="1.0" encoding="utf-8"?>
+<p:sld xmlns:a="http://schemas.openxmlformats.org/drawingml/2006/main" xmlns:r="http://schemas.openxmlformats.org/officeDocument/2006/relationships" xmlns:p="http://schemas.openxmlformats.org/presentationml/2006/main">
+  <p:cSld>
+    <p:spTree>
+      <p:nvGrpSpPr>
+        <p:cNvPr id="1" name="Shape 109"/>
+        <p:cNvGrpSpPr/>
+        <p:nvPr/>
+      </p:nvGrpSpPr>
+      <p:grpSpPr>
+        <a:xfrm>
+          <a:off x="0" y="0"/>
+          <a:ext cx="0" cy="0"/>
+          <a:chOff x="0" y="0"/>
+          <a:chExt cx="0" cy="0"/>
+        </a:xfrm>
+      </p:grpSpPr>
+      <p:sp>
+        <p:nvSpPr>
+          <p:cNvPr id="110" name="Shape 110"/>
+          <p:cNvSpPr txBox="1">
+            <a:spLocks noGrp="1"/>
+          </p:cNvSpPr>
+          <p:nvPr>
+            <p:ph type="title"/>
+          </p:nvPr>
+        </p:nvSpPr>
+        <p:spPr>
+          <a:xfrm>
+            <a:off x="457200" y="384487"/>
+            <a:ext cx="8229600" cy="923299"/>
+          </a:xfrm>
+          <a:prstGeom prst="rect">
+            <a:avLst/>
+          </a:prstGeom>
+        </p:spPr>
+        <p:txBody>
+          <a:bodyPr lIns="91425" tIns="91425" rIns="91425" bIns="91425" anchor="ctr" anchorCtr="0">
+            <a:spAutoFit/>
+          </a:bodyPr>
+          <a:lstStyle/>
+          <a:p>
+            <a:r>
+              <a:rPr lang="de-DE" dirty="0" smtClean="0"/>
+              <a:t>Quellen</a:t>
+            </a:r>
+            <a:endParaRPr dirty="0"/>
+          </a:p>
+        </p:txBody>
+      </p:sp>
+      <p:sp>
+        <p:nvSpPr>
+          <p:cNvPr id="111" name="Shape 111"/>
+          <p:cNvSpPr txBox="1">
+            <a:spLocks noGrp="1"/>
+          </p:cNvSpPr>
+          <p:nvPr>
+            <p:ph type="body" idx="1"/>
+          </p:nvPr>
+        </p:nvSpPr>
+        <p:spPr>
+          <a:xfrm>
+            <a:off x="457200" y="1600200"/>
+            <a:ext cx="8229600" cy="1107965"/>
+          </a:xfrm>
+          <a:prstGeom prst="rect">
+            <a:avLst/>
+          </a:prstGeom>
+        </p:spPr>
+        <p:txBody>
+          <a:bodyPr lIns="91425" tIns="91425" rIns="91425" bIns="91425" anchor="t" anchorCtr="0">
+            <a:spAutoFit/>
+          </a:bodyPr>
+          <a:lstStyle/>
+          <a:p>
+            <a:r>
+              <a:rPr lang="de-DE" dirty="0"/>
+              <a:t>http://</a:t>
+            </a:r>
+            <a:r>
+              <a:rPr lang="de-DE" dirty="0" smtClean="0"/>
+              <a:t>deap.gel.ulaval.ca/doc/default/api/benchmarks.html [14.08.2012]</a:t>
+            </a:r>
+            <a:endParaRPr dirty="0"/>
+          </a:p>
+        </p:txBody>
+      </p:sp>
+    </p:spTree>
+  </p:cSld>
+  <p:clrMapOvr>
+    <a:masterClrMapping/>
+  </p:clrMapOvr>
+  <mc:AlternateContent xmlns:mc="http://schemas.openxmlformats.org/markup-compatibility/2006" xmlns:p14="http://schemas.microsoft.com/office/powerpoint/2010/main">
+    <mc:Choice Requires="p14">
+      <p:transition spd="med" p14:dur="700">
+        <p:fade/>
+      </p:transition>
+    </mc:Choice>
+    <mc:Fallback xmlns="">
+      <p:transition spd="med">
+        <p:fade/>
+      </p:transition>
+    </mc:Fallback>
+  </mc:AlternateContent>
   <p:timing>
     <p:tnLst>
       <p:par>
